--- a/ch18/第18章 反射.pptx
+++ b/ch18/第18章 反射.pptx
@@ -26,7 +26,7 @@
     <p:sldId id="468" r:id="rId14"/>
     <p:sldId id="440" r:id="rId15"/>
   </p:sldIdLst>
-  <p:sldSz cx="9144000" cy="6858000" type="screen4x3"/>
+  <p:sldSz cx="12192000" cy="6858000"/>
   <p:notesSz cx="6794500" cy="9918700"/>
   <p:defaultTextStyle>
     <a:defPPr>
@@ -156,12 +156,12 @@
   <p:extLst>
     <p:ext uri="{EFAFB233-063F-42B5-8137-9DF3F51BA10A}">
       <p15:sldGuideLst xmlns:p15="http://schemas.microsoft.com/office/powerpoint/2012/main">
-        <p15:guide id="1" orient="horz" pos="2160">
+        <p15:guide id="1" orient="horz" pos="2160" userDrawn="1">
           <p15:clr>
             <a:srgbClr val="A4A3A4"/>
           </p15:clr>
         </p15:guide>
-        <p15:guide id="2" pos="2880">
+        <p15:guide id="2" pos="3840" userDrawn="1">
           <p15:clr>
             <a:srgbClr val="A4A3A4"/>
           </p15:clr>
@@ -170,6 +170,10 @@
     </p:ext>
   </p:extLst>
 </p:presentation>
+</file>
+
+<file path=ppt/revisionInfo.xml><?xml version="1.0" encoding="utf-8"?>
+<p1510:revInfo xmlns:a="http://schemas.openxmlformats.org/drawingml/2006/main" xmlns:r="http://schemas.openxmlformats.org/officeDocument/2006/relationships" xmlns:p1510="http://schemas.microsoft.com/office/powerpoint/2015/10/main"/>
 </file>
 
 <file path=ppt/diagrams/colors1.xml><?xml version="1.0" encoding="utf-8"?>
@@ -941,7 +945,7 @@
         <a:lstStyle/>
         <a:p>
           <a:r>
-            <a:rPr lang="en-US" altLang="zh-CN" sz="2400" dirty="0" smtClean="0"/>
+            <a:rPr lang="en-US" altLang="zh-CN" sz="2400" dirty="0"/>
             <a:t>1</a:t>
           </a:r>
           <a:endParaRPr lang="zh-CN" altLang="en-US" sz="2400" dirty="0"/>
@@ -978,10 +982,9 @@
         <a:lstStyle/>
         <a:p>
           <a:r>
-            <a:rPr lang="zh-CN" altLang="en-US" sz="2400" dirty="0" smtClean="0"/>
+            <a:rPr lang="zh-CN" altLang="en-US" sz="2400" dirty="0"/>
             <a:t>在运行时判断任意一个对象所属的类</a:t>
           </a:r>
-          <a:endParaRPr lang="zh-CN" altLang="en-US" sz="2400" dirty="0"/>
         </a:p>
       </dgm:t>
     </dgm:pt>
@@ -1015,7 +1018,7 @@
         <a:lstStyle/>
         <a:p>
           <a:r>
-            <a:rPr lang="en-US" altLang="zh-CN" sz="2400" dirty="0" smtClean="0"/>
+            <a:rPr lang="en-US" altLang="zh-CN" sz="2400" dirty="0"/>
             <a:t>2</a:t>
           </a:r>
           <a:endParaRPr lang="zh-CN" altLang="en-US" sz="2400" dirty="0"/>
@@ -1052,10 +1055,9 @@
         <a:lstStyle/>
         <a:p>
           <a:r>
-            <a:rPr lang="zh-CN" altLang="en-US" sz="2400" dirty="0" smtClean="0"/>
+            <a:rPr lang="zh-CN" altLang="en-US" sz="2400" dirty="0"/>
             <a:t>在运行时构造任意一个类的对象</a:t>
           </a:r>
-          <a:endParaRPr lang="zh-CN" altLang="en-US" sz="2400" dirty="0"/>
         </a:p>
       </dgm:t>
     </dgm:pt>
@@ -1089,7 +1091,7 @@
         <a:lstStyle/>
         <a:p>
           <a:r>
-            <a:rPr lang="en-US" altLang="zh-CN" sz="2400" dirty="0" smtClean="0"/>
+            <a:rPr lang="en-US" altLang="zh-CN" sz="2400" dirty="0"/>
             <a:t>3</a:t>
           </a:r>
           <a:endParaRPr lang="zh-CN" altLang="en-US" sz="2400" dirty="0"/>
@@ -1126,10 +1128,9 @@
         <a:lstStyle/>
         <a:p>
           <a:r>
-            <a:rPr lang="zh-CN" altLang="en-US" sz="2400" dirty="0" smtClean="0"/>
+            <a:rPr lang="zh-CN" altLang="en-US" sz="2400" dirty="0"/>
             <a:t>在运行时判断任意一个类所具有的成员变量和方法</a:t>
           </a:r>
-          <a:endParaRPr lang="zh-CN" altLang="en-US" sz="2400" dirty="0"/>
         </a:p>
       </dgm:t>
     </dgm:pt>
@@ -1163,7 +1164,7 @@
         <a:lstStyle/>
         <a:p>
           <a:r>
-            <a:rPr lang="en-US" altLang="zh-CN" sz="2400" dirty="0" smtClean="0"/>
+            <a:rPr lang="en-US" altLang="zh-CN" sz="2400" dirty="0"/>
             <a:t>4</a:t>
           </a:r>
           <a:endParaRPr lang="zh-CN" altLang="en-US" sz="2400" dirty="0"/>
@@ -1200,10 +1201,9 @@
         <a:lstStyle/>
         <a:p>
           <a:r>
-            <a:rPr lang="zh-CN" altLang="en-US" sz="2400" dirty="0" smtClean="0"/>
+            <a:rPr lang="zh-CN" altLang="en-US" sz="2400" dirty="0"/>
             <a:t>在运行时调用任意一个对象的方法</a:t>
           </a:r>
-          <a:endParaRPr lang="zh-CN" altLang="en-US" sz="2400" dirty="0"/>
         </a:p>
       </dgm:t>
     </dgm:pt>
@@ -1237,7 +1237,7 @@
         <a:lstStyle/>
         <a:p>
           <a:r>
-            <a:rPr lang="en-US" altLang="zh-CN" sz="2400" dirty="0" smtClean="0"/>
+            <a:rPr lang="en-US" altLang="zh-CN" sz="2400" dirty="0"/>
             <a:t>5</a:t>
           </a:r>
           <a:endParaRPr lang="zh-CN" altLang="en-US" sz="2400" dirty="0"/>
@@ -1274,10 +1274,9 @@
         <a:lstStyle/>
         <a:p>
           <a:r>
-            <a:rPr lang="zh-CN" altLang="en-US" sz="2400" dirty="0" smtClean="0"/>
+            <a:rPr lang="zh-CN" altLang="en-US" sz="2400" dirty="0"/>
             <a:t>生成动态代理</a:t>
           </a:r>
-          <a:endParaRPr lang="zh-CN" altLang="en-US" sz="2400" dirty="0"/>
         </a:p>
       </dgm:t>
     </dgm:pt>
@@ -1312,13 +1311,6 @@
         </dgm:presLayoutVars>
       </dgm:prSet>
       <dgm:spPr/>
-      <dgm:t>
-        <a:bodyPr/>
-        <a:lstStyle/>
-        <a:p>
-          <a:endParaRPr lang="zh-CN" altLang="en-US"/>
-        </a:p>
-      </dgm:t>
     </dgm:pt>
     <dgm:pt modelId="{B2BC0EAF-16E1-4D8D-BB7B-46C185B32599}" type="pres">
       <dgm:prSet presAssocID="{05EB4BFD-17E2-400A-8A87-1D36FA89479A}" presName="composite" presStyleCnt="0"/>
@@ -1332,13 +1324,6 @@
         </dgm:presLayoutVars>
       </dgm:prSet>
       <dgm:spPr/>
-      <dgm:t>
-        <a:bodyPr/>
-        <a:lstStyle/>
-        <a:p>
-          <a:endParaRPr lang="zh-CN" altLang="en-US"/>
-        </a:p>
-      </dgm:t>
     </dgm:pt>
     <dgm:pt modelId="{77E3FE13-E1C6-4447-93C2-8E013107D1A2}" type="pres">
       <dgm:prSet presAssocID="{05EB4BFD-17E2-400A-8A87-1D36FA89479A}" presName="descendantText" presStyleLbl="alignAcc1" presStyleIdx="0" presStyleCnt="5">
@@ -1347,13 +1332,6 @@
         </dgm:presLayoutVars>
       </dgm:prSet>
       <dgm:spPr/>
-      <dgm:t>
-        <a:bodyPr/>
-        <a:lstStyle/>
-        <a:p>
-          <a:endParaRPr lang="zh-CN" altLang="en-US"/>
-        </a:p>
-      </dgm:t>
     </dgm:pt>
     <dgm:pt modelId="{0303FE9F-580A-42F1-9162-E366B68CC28E}" type="pres">
       <dgm:prSet presAssocID="{E7D57148-A4B1-4224-947C-5213000E8C63}" presName="sp" presStyleCnt="0"/>
@@ -1371,13 +1349,6 @@
         </dgm:presLayoutVars>
       </dgm:prSet>
       <dgm:spPr/>
-      <dgm:t>
-        <a:bodyPr/>
-        <a:lstStyle/>
-        <a:p>
-          <a:endParaRPr lang="zh-CN" altLang="en-US"/>
-        </a:p>
-      </dgm:t>
     </dgm:pt>
     <dgm:pt modelId="{DAB07496-FB0E-4BA2-B567-EDCD5B57EC71}" type="pres">
       <dgm:prSet presAssocID="{874F378D-89E7-4B32-AD55-89E21F239B47}" presName="descendantText" presStyleLbl="alignAcc1" presStyleIdx="1" presStyleCnt="5">
@@ -1386,13 +1357,6 @@
         </dgm:presLayoutVars>
       </dgm:prSet>
       <dgm:spPr/>
-      <dgm:t>
-        <a:bodyPr/>
-        <a:lstStyle/>
-        <a:p>
-          <a:endParaRPr lang="zh-CN" altLang="en-US"/>
-        </a:p>
-      </dgm:t>
     </dgm:pt>
     <dgm:pt modelId="{9378278D-D81F-4CE7-9577-C0A5775D27EC}" type="pres">
       <dgm:prSet presAssocID="{2842F104-ED9A-4D78-A9CA-FF7126347842}" presName="sp" presStyleCnt="0"/>
@@ -1410,13 +1374,6 @@
         </dgm:presLayoutVars>
       </dgm:prSet>
       <dgm:spPr/>
-      <dgm:t>
-        <a:bodyPr/>
-        <a:lstStyle/>
-        <a:p>
-          <a:endParaRPr lang="zh-CN" altLang="en-US"/>
-        </a:p>
-      </dgm:t>
     </dgm:pt>
     <dgm:pt modelId="{E3E9F569-A585-43C3-AB24-8080C2FFB1BD}" type="pres">
       <dgm:prSet presAssocID="{BE594A20-DAB8-4329-A148-5BB32B9EB45F}" presName="descendantText" presStyleLbl="alignAcc1" presStyleIdx="2" presStyleCnt="5">
@@ -1425,13 +1382,6 @@
         </dgm:presLayoutVars>
       </dgm:prSet>
       <dgm:spPr/>
-      <dgm:t>
-        <a:bodyPr/>
-        <a:lstStyle/>
-        <a:p>
-          <a:endParaRPr lang="zh-CN" altLang="en-US"/>
-        </a:p>
-      </dgm:t>
     </dgm:pt>
     <dgm:pt modelId="{0D9CAD9F-828F-4B60-A345-1DD4B2326FF6}" type="pres">
       <dgm:prSet presAssocID="{83FFE292-C822-4951-BFBF-A6DC9ADF0AAE}" presName="sp" presStyleCnt="0"/>
@@ -1449,13 +1399,6 @@
         </dgm:presLayoutVars>
       </dgm:prSet>
       <dgm:spPr/>
-      <dgm:t>
-        <a:bodyPr/>
-        <a:lstStyle/>
-        <a:p>
-          <a:endParaRPr lang="zh-CN" altLang="en-US"/>
-        </a:p>
-      </dgm:t>
     </dgm:pt>
     <dgm:pt modelId="{1AE7137F-5C4B-41CD-B483-E51ABD1E1BB9}" type="pres">
       <dgm:prSet presAssocID="{4B098414-BD2A-4B4E-8470-F3CA63B6B456}" presName="descendantText" presStyleLbl="alignAcc1" presStyleIdx="3" presStyleCnt="5">
@@ -1464,13 +1407,6 @@
         </dgm:presLayoutVars>
       </dgm:prSet>
       <dgm:spPr/>
-      <dgm:t>
-        <a:bodyPr/>
-        <a:lstStyle/>
-        <a:p>
-          <a:endParaRPr lang="zh-CN" altLang="en-US"/>
-        </a:p>
-      </dgm:t>
     </dgm:pt>
     <dgm:pt modelId="{8EBA0D66-CFC6-4E06-AB5B-EB11C5A8450A}" type="pres">
       <dgm:prSet presAssocID="{D20FC5C4-14A9-4A8B-8CC4-73374C05D59E}" presName="sp" presStyleCnt="0"/>
@@ -1488,13 +1424,6 @@
         </dgm:presLayoutVars>
       </dgm:prSet>
       <dgm:spPr/>
-      <dgm:t>
-        <a:bodyPr/>
-        <a:lstStyle/>
-        <a:p>
-          <a:endParaRPr lang="zh-CN" altLang="en-US"/>
-        </a:p>
-      </dgm:t>
     </dgm:pt>
     <dgm:pt modelId="{CEDA1CAA-D93F-495C-9514-FA64096565ED}" type="pres">
       <dgm:prSet presAssocID="{ADD64B42-296B-467B-A718-F329D08D5457}" presName="descendantText" presStyleLbl="alignAcc1" presStyleIdx="4" presStyleCnt="5">
@@ -1503,37 +1432,30 @@
         </dgm:presLayoutVars>
       </dgm:prSet>
       <dgm:spPr/>
-      <dgm:t>
-        <a:bodyPr/>
-        <a:lstStyle/>
-        <a:p>
-          <a:endParaRPr lang="zh-CN" altLang="en-US"/>
-        </a:p>
-      </dgm:t>
     </dgm:pt>
   </dgm:ptLst>
   <dgm:cxnLst>
+    <dgm:cxn modelId="{E7A1DF04-1D31-4D75-924C-ACE78C273599}" type="presOf" srcId="{BE594A20-DAB8-4329-A148-5BB32B9EB45F}" destId="{D84DBAE6-97C3-4894-991E-8A8364DB4AA7}" srcOrd="0" destOrd="0" presId="urn:microsoft.com/office/officeart/2005/8/layout/chevron2"/>
     <dgm:cxn modelId="{BEF2B105-45B4-443C-B11F-BCC711B44800}" type="presOf" srcId="{ADD64B42-296B-467B-A718-F329D08D5457}" destId="{056251F0-4432-41AA-99CB-2EA0D4D8A63A}" srcOrd="0" destOrd="0" presId="urn:microsoft.com/office/officeart/2005/8/layout/chevron2"/>
+    <dgm:cxn modelId="{11332B0C-1630-4A9F-A0AA-1C91E4FE628C}" srcId="{58F0DE63-A9D9-41F6-B8AF-8FC1B3184FBE}" destId="{874F378D-89E7-4B32-AD55-89E21F239B47}" srcOrd="1" destOrd="0" parTransId="{4E05623B-125F-483E-8A48-6B2AF6CC139E}" sibTransId="{2842F104-ED9A-4D78-A9CA-FF7126347842}"/>
+    <dgm:cxn modelId="{BB0A751E-05A0-417C-92C5-83CA73E055F3}" srcId="{ADD64B42-296B-467B-A718-F329D08D5457}" destId="{53520868-B558-4CD2-8DF4-9B673F2319FF}" srcOrd="0" destOrd="0" parTransId="{EA45B3C8-0846-424B-A720-58F2B3C7C4EA}" sibTransId="{67A1F485-96A9-4A61-A385-4697956A49EF}"/>
+    <dgm:cxn modelId="{B873CC20-EB59-4A71-BFC7-EC4C1E019E5B}" type="presOf" srcId="{8F41AAA4-F551-436C-B6DB-945F89815086}" destId="{DAB07496-FB0E-4BA2-B567-EDCD5B57EC71}" srcOrd="0" destOrd="0" presId="urn:microsoft.com/office/officeart/2005/8/layout/chevron2"/>
+    <dgm:cxn modelId="{C4ECC526-5461-4AF1-BEDB-44DF71E77542}" type="presOf" srcId="{53520868-B558-4CD2-8DF4-9B673F2319FF}" destId="{CEDA1CAA-D93F-495C-9514-FA64096565ED}" srcOrd="0" destOrd="0" presId="urn:microsoft.com/office/officeart/2005/8/layout/chevron2"/>
+    <dgm:cxn modelId="{1380122D-119C-4523-9F71-A53DF917AB6A}" srcId="{58F0DE63-A9D9-41F6-B8AF-8FC1B3184FBE}" destId="{ADD64B42-296B-467B-A718-F329D08D5457}" srcOrd="4" destOrd="0" parTransId="{7CE3EDB0-DC3C-4037-813B-5F2E571065D8}" sibTransId="{85E9C360-DA77-429B-9526-270F4E1B591F}"/>
+    <dgm:cxn modelId="{FF567B2E-E064-4AB8-A429-094FFA1EF62A}" type="presOf" srcId="{13F0ABF0-E910-4267-B4C5-1567ED91761A}" destId="{77E3FE13-E1C6-4447-93C2-8E013107D1A2}" srcOrd="0" destOrd="0" presId="urn:microsoft.com/office/officeart/2005/8/layout/chevron2"/>
     <dgm:cxn modelId="{1536E13E-39D5-47CB-8661-984F480C3CD1}" srcId="{874F378D-89E7-4B32-AD55-89E21F239B47}" destId="{8F41AAA4-F551-436C-B6DB-945F89815086}" srcOrd="0" destOrd="0" parTransId="{54F8EEF1-5C08-4391-BC36-48F8B1C4E4A7}" sibTransId="{EC7B1047-E726-496D-A5A1-E42F6C4D4C11}"/>
+    <dgm:cxn modelId="{6841725D-2FA6-4D81-BDBE-43B720D7E024}" type="presOf" srcId="{05EB4BFD-17E2-400A-8A87-1D36FA89479A}" destId="{62D7FCD0-25F8-456B-BB75-5F10673D41F2}" srcOrd="0" destOrd="0" presId="urn:microsoft.com/office/officeart/2005/8/layout/chevron2"/>
+    <dgm:cxn modelId="{1EA96261-5455-4288-B77C-BFBA07DE8F2D}" type="presOf" srcId="{874F378D-89E7-4B32-AD55-89E21F239B47}" destId="{0F36EDB2-2413-4AA8-8E85-DDEAFDBED0AC}" srcOrd="0" destOrd="0" presId="urn:microsoft.com/office/officeart/2005/8/layout/chevron2"/>
+    <dgm:cxn modelId="{36CC6F76-B4EF-469D-9236-1DFB478054D4}" srcId="{58F0DE63-A9D9-41F6-B8AF-8FC1B3184FBE}" destId="{05EB4BFD-17E2-400A-8A87-1D36FA89479A}" srcOrd="0" destOrd="0" parTransId="{0428A25A-EDEE-4F8A-A831-79B05D60003C}" sibTransId="{E7D57148-A4B1-4224-947C-5213000E8C63}"/>
+    <dgm:cxn modelId="{C119157D-1E1A-4FD2-B5C5-33D3185A0A67}" srcId="{58F0DE63-A9D9-41F6-B8AF-8FC1B3184FBE}" destId="{BE594A20-DAB8-4329-A148-5BB32B9EB45F}" srcOrd="2" destOrd="0" parTransId="{7D85DBEE-A515-47A3-9F4B-08E5746293DC}" sibTransId="{83FFE292-C822-4951-BFBF-A6DC9ADF0AAE}"/>
+    <dgm:cxn modelId="{0E9CB17D-EF7F-4EA3-8484-84C60062B35D}" type="presOf" srcId="{AAB4D6BF-DD2B-4CB2-B53B-A55D293B5527}" destId="{E3E9F569-A585-43C3-AB24-8080C2FFB1BD}" srcOrd="0" destOrd="0" presId="urn:microsoft.com/office/officeart/2005/8/layout/chevron2"/>
+    <dgm:cxn modelId="{B1D1BB80-7ADE-4A37-A35E-41949CFDEC81}" srcId="{BE594A20-DAB8-4329-A148-5BB32B9EB45F}" destId="{AAB4D6BF-DD2B-4CB2-B53B-A55D293B5527}" srcOrd="0" destOrd="0" parTransId="{DCE9C20F-F400-48BC-B7B4-CC69BCFC97EE}" sibTransId="{B5553C39-1A71-4AA7-AD35-E84A5101AB97}"/>
+    <dgm:cxn modelId="{09796982-FC84-4FF0-BFC0-0794D4CA1B4D}" type="presOf" srcId="{58F0DE63-A9D9-41F6-B8AF-8FC1B3184FBE}" destId="{FAF0B115-EE54-4D0C-B58A-260372AF5541}" srcOrd="0" destOrd="0" presId="urn:microsoft.com/office/officeart/2005/8/layout/chevron2"/>
+    <dgm:cxn modelId="{6CF8758F-8048-4997-B6D2-14D8817FBA7F}" srcId="{4B098414-BD2A-4B4E-8470-F3CA63B6B456}" destId="{81AE2D70-B897-4EB1-AB85-E6F5DADEB1FE}" srcOrd="0" destOrd="0" parTransId="{1DFDFF43-3347-4C44-9D0D-F31AF726E5AD}" sibTransId="{0C7EC4A3-D0CE-47F7-9567-0AA15FE3C114}"/>
+    <dgm:cxn modelId="{902D469C-395D-4CF4-B1A5-D03BBB4087A7}" srcId="{05EB4BFD-17E2-400A-8A87-1D36FA89479A}" destId="{13F0ABF0-E910-4267-B4C5-1567ED91761A}" srcOrd="0" destOrd="0" parTransId="{95F01AAE-A793-4848-A911-730987EEDA60}" sibTransId="{AC9E69A2-3666-435A-8FAF-944D518B2704}"/>
     <dgm:cxn modelId="{AF20979F-E462-4197-92F6-15B3E74D015F}" type="presOf" srcId="{81AE2D70-B897-4EB1-AB85-E6F5DADEB1FE}" destId="{1AE7137F-5C4B-41CD-B483-E51ABD1E1BB9}" srcOrd="0" destOrd="0" presId="urn:microsoft.com/office/officeart/2005/8/layout/chevron2"/>
-    <dgm:cxn modelId="{C4ECC526-5461-4AF1-BEDB-44DF71E77542}" type="presOf" srcId="{53520868-B558-4CD2-8DF4-9B673F2319FF}" destId="{CEDA1CAA-D93F-495C-9514-FA64096565ED}" srcOrd="0" destOrd="0" presId="urn:microsoft.com/office/officeart/2005/8/layout/chevron2"/>
+    <dgm:cxn modelId="{59351FA7-986C-4A11-AA33-85B786B3EA57}" type="presOf" srcId="{4B098414-BD2A-4B4E-8470-F3CA63B6B456}" destId="{BE6DDB74-485E-4C79-BE97-E77CE5F18352}" srcOrd="0" destOrd="0" presId="urn:microsoft.com/office/officeart/2005/8/layout/chevron2"/>
     <dgm:cxn modelId="{2DD77DE9-D629-4484-9781-5B9E5C67425C}" srcId="{58F0DE63-A9D9-41F6-B8AF-8FC1B3184FBE}" destId="{4B098414-BD2A-4B4E-8470-F3CA63B6B456}" srcOrd="3" destOrd="0" parTransId="{7D138A2E-FD09-44E5-BAA5-097354EC84C9}" sibTransId="{D20FC5C4-14A9-4A8B-8CC4-73374C05D59E}"/>
-    <dgm:cxn modelId="{C119157D-1E1A-4FD2-B5C5-33D3185A0A67}" srcId="{58F0DE63-A9D9-41F6-B8AF-8FC1B3184FBE}" destId="{BE594A20-DAB8-4329-A148-5BB32B9EB45F}" srcOrd="2" destOrd="0" parTransId="{7D85DBEE-A515-47A3-9F4B-08E5746293DC}" sibTransId="{83FFE292-C822-4951-BFBF-A6DC9ADF0AAE}"/>
-    <dgm:cxn modelId="{BB0A751E-05A0-417C-92C5-83CA73E055F3}" srcId="{ADD64B42-296B-467B-A718-F329D08D5457}" destId="{53520868-B558-4CD2-8DF4-9B673F2319FF}" srcOrd="0" destOrd="0" parTransId="{EA45B3C8-0846-424B-A720-58F2B3C7C4EA}" sibTransId="{67A1F485-96A9-4A61-A385-4697956A49EF}"/>
-    <dgm:cxn modelId="{36CC6F76-B4EF-469D-9236-1DFB478054D4}" srcId="{58F0DE63-A9D9-41F6-B8AF-8FC1B3184FBE}" destId="{05EB4BFD-17E2-400A-8A87-1D36FA89479A}" srcOrd="0" destOrd="0" parTransId="{0428A25A-EDEE-4F8A-A831-79B05D60003C}" sibTransId="{E7D57148-A4B1-4224-947C-5213000E8C63}"/>
-    <dgm:cxn modelId="{6841725D-2FA6-4D81-BDBE-43B720D7E024}" type="presOf" srcId="{05EB4BFD-17E2-400A-8A87-1D36FA89479A}" destId="{62D7FCD0-25F8-456B-BB75-5F10673D41F2}" srcOrd="0" destOrd="0" presId="urn:microsoft.com/office/officeart/2005/8/layout/chevron2"/>
-    <dgm:cxn modelId="{1380122D-119C-4523-9F71-A53DF917AB6A}" srcId="{58F0DE63-A9D9-41F6-B8AF-8FC1B3184FBE}" destId="{ADD64B42-296B-467B-A718-F329D08D5457}" srcOrd="4" destOrd="0" parTransId="{7CE3EDB0-DC3C-4037-813B-5F2E571065D8}" sibTransId="{85E9C360-DA77-429B-9526-270F4E1B591F}"/>
-    <dgm:cxn modelId="{0E9CB17D-EF7F-4EA3-8484-84C60062B35D}" type="presOf" srcId="{AAB4D6BF-DD2B-4CB2-B53B-A55D293B5527}" destId="{E3E9F569-A585-43C3-AB24-8080C2FFB1BD}" srcOrd="0" destOrd="0" presId="urn:microsoft.com/office/officeart/2005/8/layout/chevron2"/>
-    <dgm:cxn modelId="{E7A1DF04-1D31-4D75-924C-ACE78C273599}" type="presOf" srcId="{BE594A20-DAB8-4329-A148-5BB32B9EB45F}" destId="{D84DBAE6-97C3-4894-991E-8A8364DB4AA7}" srcOrd="0" destOrd="0" presId="urn:microsoft.com/office/officeart/2005/8/layout/chevron2"/>
-    <dgm:cxn modelId="{B873CC20-EB59-4A71-BFC7-EC4C1E019E5B}" type="presOf" srcId="{8F41AAA4-F551-436C-B6DB-945F89815086}" destId="{DAB07496-FB0E-4BA2-B567-EDCD5B57EC71}" srcOrd="0" destOrd="0" presId="urn:microsoft.com/office/officeart/2005/8/layout/chevron2"/>
-    <dgm:cxn modelId="{09796982-FC84-4FF0-BFC0-0794D4CA1B4D}" type="presOf" srcId="{58F0DE63-A9D9-41F6-B8AF-8FC1B3184FBE}" destId="{FAF0B115-EE54-4D0C-B58A-260372AF5541}" srcOrd="0" destOrd="0" presId="urn:microsoft.com/office/officeart/2005/8/layout/chevron2"/>
-    <dgm:cxn modelId="{902D469C-395D-4CF4-B1A5-D03BBB4087A7}" srcId="{05EB4BFD-17E2-400A-8A87-1D36FA89479A}" destId="{13F0ABF0-E910-4267-B4C5-1567ED91761A}" srcOrd="0" destOrd="0" parTransId="{95F01AAE-A793-4848-A911-730987EEDA60}" sibTransId="{AC9E69A2-3666-435A-8FAF-944D518B2704}"/>
-    <dgm:cxn modelId="{B1D1BB80-7ADE-4A37-A35E-41949CFDEC81}" srcId="{BE594A20-DAB8-4329-A148-5BB32B9EB45F}" destId="{AAB4D6BF-DD2B-4CB2-B53B-A55D293B5527}" srcOrd="0" destOrd="0" parTransId="{DCE9C20F-F400-48BC-B7B4-CC69BCFC97EE}" sibTransId="{B5553C39-1A71-4AA7-AD35-E84A5101AB97}"/>
-    <dgm:cxn modelId="{59351FA7-986C-4A11-AA33-85B786B3EA57}" type="presOf" srcId="{4B098414-BD2A-4B4E-8470-F3CA63B6B456}" destId="{BE6DDB74-485E-4C79-BE97-E77CE5F18352}" srcOrd="0" destOrd="0" presId="urn:microsoft.com/office/officeart/2005/8/layout/chevron2"/>
-    <dgm:cxn modelId="{1EA96261-5455-4288-B77C-BFBA07DE8F2D}" type="presOf" srcId="{874F378D-89E7-4B32-AD55-89E21F239B47}" destId="{0F36EDB2-2413-4AA8-8E85-DDEAFDBED0AC}" srcOrd="0" destOrd="0" presId="urn:microsoft.com/office/officeart/2005/8/layout/chevron2"/>
-    <dgm:cxn modelId="{6CF8758F-8048-4997-B6D2-14D8817FBA7F}" srcId="{4B098414-BD2A-4B4E-8470-F3CA63B6B456}" destId="{81AE2D70-B897-4EB1-AB85-E6F5DADEB1FE}" srcOrd="0" destOrd="0" parTransId="{1DFDFF43-3347-4C44-9D0D-F31AF726E5AD}" sibTransId="{0C7EC4A3-D0CE-47F7-9567-0AA15FE3C114}"/>
-    <dgm:cxn modelId="{11332B0C-1630-4A9F-A0AA-1C91E4FE628C}" srcId="{58F0DE63-A9D9-41F6-B8AF-8FC1B3184FBE}" destId="{874F378D-89E7-4B32-AD55-89E21F239B47}" srcOrd="1" destOrd="0" parTransId="{4E05623B-125F-483E-8A48-6B2AF6CC139E}" sibTransId="{2842F104-ED9A-4D78-A9CA-FF7126347842}"/>
-    <dgm:cxn modelId="{FF567B2E-E064-4AB8-A429-094FFA1EF62A}" type="presOf" srcId="{13F0ABF0-E910-4267-B4C5-1567ED91761A}" destId="{77E3FE13-E1C6-4447-93C2-8E013107D1A2}" srcOrd="0" destOrd="0" presId="urn:microsoft.com/office/officeart/2005/8/layout/chevron2"/>
     <dgm:cxn modelId="{9CC40763-9DF3-4BF8-86B6-0F584BA76386}" type="presParOf" srcId="{FAF0B115-EE54-4D0C-B58A-260372AF5541}" destId="{B2BC0EAF-16E1-4D8D-BB7B-46C185B32599}" srcOrd="0" destOrd="0" presId="urn:microsoft.com/office/officeart/2005/8/layout/chevron2"/>
     <dgm:cxn modelId="{743DD2C6-1945-4241-8B1D-F15E12CD2523}" type="presParOf" srcId="{B2BC0EAF-16E1-4D8D-BB7B-46C185B32599}" destId="{62D7FCD0-25F8-456B-BB75-5F10673D41F2}" srcOrd="0" destOrd="0" presId="urn:microsoft.com/office/officeart/2005/8/layout/chevron2"/>
     <dgm:cxn modelId="{57BD1BCF-5DA3-437A-88F5-D5FF8C33EC10}" type="presParOf" srcId="{B2BC0EAF-16E1-4D8D-BB7B-46C185B32599}" destId="{77E3FE13-E1C6-4447-93C2-8E013107D1A2}" srcOrd="1" destOrd="0" presId="urn:microsoft.com/office/officeart/2005/8/layout/chevron2"/>
@@ -1579,8 +1501,8 @@
       </dsp:nvSpPr>
       <dsp:spPr>
         <a:xfrm rot="5400000">
-          <a:off x="-136044" y="139728"/>
-          <a:ext cx="906964" cy="634875"/>
+          <a:off x="-146262" y="149443"/>
+          <a:ext cx="975083" cy="682558"/>
         </a:xfrm>
         <a:prstGeom prst="chevron">
           <a:avLst/>
@@ -1626,7 +1548,7 @@
         </a:bodyPr>
         <a:lstStyle/>
         <a:p>
-          <a:pPr lvl="0" algn="ctr" defTabSz="1066800">
+          <a:pPr marL="0" lvl="0" indent="0" algn="ctr" defTabSz="1066800">
             <a:lnSpc>
               <a:spcPct val="90000"/>
             </a:lnSpc>
@@ -1636,17 +1558,18 @@
             <a:spcAft>
               <a:spcPct val="35000"/>
             </a:spcAft>
+            <a:buNone/>
           </a:pPr>
           <a:r>
-            <a:rPr lang="en-US" altLang="zh-CN" sz="2400" kern="1200" dirty="0" smtClean="0"/>
+            <a:rPr lang="en-US" altLang="zh-CN" sz="2400" kern="1200" dirty="0"/>
             <a:t>1</a:t>
           </a:r>
           <a:endParaRPr lang="zh-CN" altLang="en-US" sz="2400" kern="1200" dirty="0"/>
         </a:p>
       </dsp:txBody>
       <dsp:txXfrm rot="-5400000">
-        <a:off x="1" y="321122"/>
-        <a:ext cx="634875" cy="272089"/>
+        <a:off x="1" y="344459"/>
+        <a:ext cx="682558" cy="292525"/>
       </dsp:txXfrm>
     </dsp:sp>
     <dsp:sp modelId="{77E3FE13-E1C6-4447-93C2-8E013107D1A2}">
@@ -1656,8 +1579,8 @@
       </dsp:nvSpPr>
       <dsp:spPr>
         <a:xfrm rot="5400000">
-          <a:off x="3946819" y="-3308260"/>
-          <a:ext cx="589837" cy="7213724"/>
+          <a:off x="4235562" y="-3549822"/>
+          <a:ext cx="634137" cy="7740145"/>
         </a:xfrm>
         <a:prstGeom prst="round2SameRect">
           <a:avLst/>
@@ -1712,18 +1635,17 @@
             <a:spcAft>
               <a:spcPct val="15000"/>
             </a:spcAft>
-            <a:buChar char="••"/>
+            <a:buChar char="•"/>
           </a:pPr>
           <a:r>
-            <a:rPr lang="zh-CN" altLang="en-US" sz="2400" kern="1200" dirty="0" smtClean="0"/>
+            <a:rPr lang="zh-CN" altLang="en-US" sz="2400" kern="1200" dirty="0"/>
             <a:t>在运行时判断任意一个对象所属的类</a:t>
           </a:r>
-          <a:endParaRPr lang="zh-CN" altLang="en-US" sz="2400" kern="1200" dirty="0"/>
         </a:p>
       </dsp:txBody>
       <dsp:txXfrm rot="-5400000">
-        <a:off x="634876" y="32476"/>
-        <a:ext cx="7184931" cy="532251"/>
+        <a:off x="682558" y="34138"/>
+        <a:ext cx="7709189" cy="572225"/>
       </dsp:txXfrm>
     </dsp:sp>
     <dsp:sp modelId="{0F36EDB2-2413-4AA8-8E85-DDEAFDBED0AC}">
@@ -1733,8 +1655,8 @@
       </dsp:nvSpPr>
       <dsp:spPr>
         <a:xfrm rot="5400000">
-          <a:off x="-136044" y="927145"/>
-          <a:ext cx="906964" cy="634875"/>
+          <a:off x="-146262" y="1006024"/>
+          <a:ext cx="975083" cy="682558"/>
         </a:xfrm>
         <a:prstGeom prst="chevron">
           <a:avLst/>
@@ -1780,7 +1702,7 @@
         </a:bodyPr>
         <a:lstStyle/>
         <a:p>
-          <a:pPr lvl="0" algn="ctr" defTabSz="1066800">
+          <a:pPr marL="0" lvl="0" indent="0" algn="ctr" defTabSz="1066800">
             <a:lnSpc>
               <a:spcPct val="90000"/>
             </a:lnSpc>
@@ -1790,17 +1712,18 @@
             <a:spcAft>
               <a:spcPct val="35000"/>
             </a:spcAft>
+            <a:buNone/>
           </a:pPr>
           <a:r>
-            <a:rPr lang="en-US" altLang="zh-CN" sz="2400" kern="1200" dirty="0" smtClean="0"/>
+            <a:rPr lang="en-US" altLang="zh-CN" sz="2400" kern="1200" dirty="0"/>
             <a:t>2</a:t>
           </a:r>
           <a:endParaRPr lang="zh-CN" altLang="en-US" sz="2400" kern="1200" dirty="0"/>
         </a:p>
       </dsp:txBody>
       <dsp:txXfrm rot="-5400000">
-        <a:off x="1" y="1108539"/>
-        <a:ext cx="634875" cy="272089"/>
+        <a:off x="1" y="1201040"/>
+        <a:ext cx="682558" cy="292525"/>
       </dsp:txXfrm>
     </dsp:sp>
     <dsp:sp modelId="{DAB07496-FB0E-4BA2-B567-EDCD5B57EC71}">
@@ -1810,8 +1733,8 @@
       </dsp:nvSpPr>
       <dsp:spPr>
         <a:xfrm rot="5400000">
-          <a:off x="3946974" y="-2520998"/>
-          <a:ext cx="589527" cy="7213724"/>
+          <a:off x="4235729" y="-2693409"/>
+          <a:ext cx="633804" cy="7740145"/>
         </a:xfrm>
         <a:prstGeom prst="round2SameRect">
           <a:avLst/>
@@ -1866,18 +1789,17 @@
             <a:spcAft>
               <a:spcPct val="15000"/>
             </a:spcAft>
-            <a:buChar char="••"/>
+            <a:buChar char="•"/>
           </a:pPr>
           <a:r>
-            <a:rPr lang="zh-CN" altLang="en-US" sz="2400" kern="1200" dirty="0" smtClean="0"/>
+            <a:rPr lang="zh-CN" altLang="en-US" sz="2400" kern="1200" dirty="0"/>
             <a:t>在运行时构造任意一个类的对象</a:t>
           </a:r>
-          <a:endParaRPr lang="zh-CN" altLang="en-US" sz="2400" kern="1200" dirty="0"/>
         </a:p>
       </dsp:txBody>
       <dsp:txXfrm rot="-5400000">
-        <a:off x="634876" y="819878"/>
-        <a:ext cx="7184946" cy="531971"/>
+        <a:off x="682559" y="890701"/>
+        <a:ext cx="7709205" cy="571924"/>
       </dsp:txXfrm>
     </dsp:sp>
     <dsp:sp modelId="{D84DBAE6-97C3-4894-991E-8A8364DB4AA7}">
@@ -1887,8 +1809,8 @@
       </dsp:nvSpPr>
       <dsp:spPr>
         <a:xfrm rot="5400000">
-          <a:off x="-136044" y="1714562"/>
-          <a:ext cx="906964" cy="634875"/>
+          <a:off x="-146262" y="1862604"/>
+          <a:ext cx="975083" cy="682558"/>
         </a:xfrm>
         <a:prstGeom prst="chevron">
           <a:avLst/>
@@ -1934,7 +1856,7 @@
         </a:bodyPr>
         <a:lstStyle/>
         <a:p>
-          <a:pPr lvl="0" algn="ctr" defTabSz="1066800">
+          <a:pPr marL="0" lvl="0" indent="0" algn="ctr" defTabSz="1066800">
             <a:lnSpc>
               <a:spcPct val="90000"/>
             </a:lnSpc>
@@ -1944,17 +1866,18 @@
             <a:spcAft>
               <a:spcPct val="35000"/>
             </a:spcAft>
+            <a:buNone/>
           </a:pPr>
           <a:r>
-            <a:rPr lang="en-US" altLang="zh-CN" sz="2400" kern="1200" dirty="0" smtClean="0"/>
+            <a:rPr lang="en-US" altLang="zh-CN" sz="2400" kern="1200" dirty="0"/>
             <a:t>3</a:t>
           </a:r>
           <a:endParaRPr lang="zh-CN" altLang="en-US" sz="2400" kern="1200" dirty="0"/>
         </a:p>
       </dsp:txBody>
       <dsp:txXfrm rot="-5400000">
-        <a:off x="1" y="1895956"/>
-        <a:ext cx="634875" cy="272089"/>
+        <a:off x="1" y="2057620"/>
+        <a:ext cx="682558" cy="292525"/>
       </dsp:txXfrm>
     </dsp:sp>
     <dsp:sp modelId="{E3E9F569-A585-43C3-AB24-8080C2FFB1BD}">
@@ -1964,8 +1887,8 @@
       </dsp:nvSpPr>
       <dsp:spPr>
         <a:xfrm rot="5400000">
-          <a:off x="3946974" y="-1733581"/>
-          <a:ext cx="589527" cy="7213724"/>
+          <a:off x="4235729" y="-1836828"/>
+          <a:ext cx="633804" cy="7740145"/>
         </a:xfrm>
         <a:prstGeom prst="round2SameRect">
           <a:avLst/>
@@ -2020,18 +1943,17 @@
             <a:spcAft>
               <a:spcPct val="15000"/>
             </a:spcAft>
-            <a:buChar char="••"/>
+            <a:buChar char="•"/>
           </a:pPr>
           <a:r>
-            <a:rPr lang="zh-CN" altLang="en-US" sz="2400" kern="1200" dirty="0" smtClean="0"/>
+            <a:rPr lang="zh-CN" altLang="en-US" sz="2400" kern="1200" dirty="0"/>
             <a:t>在运行时判断任意一个类所具有的成员变量和方法</a:t>
           </a:r>
-          <a:endParaRPr lang="zh-CN" altLang="en-US" sz="2400" kern="1200" dirty="0"/>
         </a:p>
       </dsp:txBody>
       <dsp:txXfrm rot="-5400000">
-        <a:off x="634876" y="1607295"/>
-        <a:ext cx="7184946" cy="531971"/>
+        <a:off x="682559" y="1747282"/>
+        <a:ext cx="7709205" cy="571924"/>
       </dsp:txXfrm>
     </dsp:sp>
     <dsp:sp modelId="{BE6DDB74-485E-4C79-BE97-E77CE5F18352}">
@@ -2041,8 +1963,8 @@
       </dsp:nvSpPr>
       <dsp:spPr>
         <a:xfrm rot="5400000">
-          <a:off x="-136044" y="2501979"/>
-          <a:ext cx="906964" cy="634875"/>
+          <a:off x="-146262" y="2719185"/>
+          <a:ext cx="975083" cy="682558"/>
         </a:xfrm>
         <a:prstGeom prst="chevron">
           <a:avLst/>
@@ -2088,7 +2010,7 @@
         </a:bodyPr>
         <a:lstStyle/>
         <a:p>
-          <a:pPr lvl="0" algn="ctr" defTabSz="1066800">
+          <a:pPr marL="0" lvl="0" indent="0" algn="ctr" defTabSz="1066800">
             <a:lnSpc>
               <a:spcPct val="90000"/>
             </a:lnSpc>
@@ -2098,17 +2020,18 @@
             <a:spcAft>
               <a:spcPct val="35000"/>
             </a:spcAft>
+            <a:buNone/>
           </a:pPr>
           <a:r>
-            <a:rPr lang="en-US" altLang="zh-CN" sz="2400" kern="1200" dirty="0" smtClean="0"/>
+            <a:rPr lang="en-US" altLang="zh-CN" sz="2400" kern="1200" dirty="0"/>
             <a:t>4</a:t>
           </a:r>
           <a:endParaRPr lang="zh-CN" altLang="en-US" sz="2400" kern="1200" dirty="0"/>
         </a:p>
       </dsp:txBody>
       <dsp:txXfrm rot="-5400000">
-        <a:off x="1" y="2683373"/>
-        <a:ext cx="634875" cy="272089"/>
+        <a:off x="1" y="2914201"/>
+        <a:ext cx="682558" cy="292525"/>
       </dsp:txXfrm>
     </dsp:sp>
     <dsp:sp modelId="{1AE7137F-5C4B-41CD-B483-E51ABD1E1BB9}">
@@ -2118,8 +2041,8 @@
       </dsp:nvSpPr>
       <dsp:spPr>
         <a:xfrm rot="5400000">
-          <a:off x="3946974" y="-946164"/>
-          <a:ext cx="589527" cy="7213724"/>
+          <a:off x="4235729" y="-980247"/>
+          <a:ext cx="633804" cy="7740145"/>
         </a:xfrm>
         <a:prstGeom prst="round2SameRect">
           <a:avLst/>
@@ -2174,18 +2097,17 @@
             <a:spcAft>
               <a:spcPct val="15000"/>
             </a:spcAft>
-            <a:buChar char="••"/>
+            <a:buChar char="•"/>
           </a:pPr>
           <a:r>
-            <a:rPr lang="zh-CN" altLang="en-US" sz="2400" kern="1200" dirty="0" smtClean="0"/>
+            <a:rPr lang="zh-CN" altLang="en-US" sz="2400" kern="1200" dirty="0"/>
             <a:t>在运行时调用任意一个对象的方法</a:t>
           </a:r>
-          <a:endParaRPr lang="zh-CN" altLang="en-US" sz="2400" kern="1200" dirty="0"/>
         </a:p>
       </dsp:txBody>
       <dsp:txXfrm rot="-5400000">
-        <a:off x="634876" y="2394712"/>
-        <a:ext cx="7184946" cy="531971"/>
+        <a:off x="682559" y="2603863"/>
+        <a:ext cx="7709205" cy="571924"/>
       </dsp:txXfrm>
     </dsp:sp>
     <dsp:sp modelId="{056251F0-4432-41AA-99CB-2EA0D4D8A63A}">
@@ -2195,8 +2117,8 @@
       </dsp:nvSpPr>
       <dsp:spPr>
         <a:xfrm rot="5400000">
-          <a:off x="-136044" y="3289396"/>
-          <a:ext cx="906964" cy="634875"/>
+          <a:off x="-146262" y="3575766"/>
+          <a:ext cx="975083" cy="682558"/>
         </a:xfrm>
         <a:prstGeom prst="chevron">
           <a:avLst/>
@@ -2242,7 +2164,7 @@
         </a:bodyPr>
         <a:lstStyle/>
         <a:p>
-          <a:pPr lvl="0" algn="ctr" defTabSz="1066800">
+          <a:pPr marL="0" lvl="0" indent="0" algn="ctr" defTabSz="1066800">
             <a:lnSpc>
               <a:spcPct val="90000"/>
             </a:lnSpc>
@@ -2252,17 +2174,18 @@
             <a:spcAft>
               <a:spcPct val="35000"/>
             </a:spcAft>
+            <a:buNone/>
           </a:pPr>
           <a:r>
-            <a:rPr lang="en-US" altLang="zh-CN" sz="2400" kern="1200" dirty="0" smtClean="0"/>
+            <a:rPr lang="en-US" altLang="zh-CN" sz="2400" kern="1200" dirty="0"/>
             <a:t>5</a:t>
           </a:r>
           <a:endParaRPr lang="zh-CN" altLang="en-US" sz="2400" kern="1200" dirty="0"/>
         </a:p>
       </dsp:txBody>
       <dsp:txXfrm rot="-5400000">
-        <a:off x="1" y="3470790"/>
-        <a:ext cx="634875" cy="272089"/>
+        <a:off x="1" y="3770782"/>
+        <a:ext cx="682558" cy="292525"/>
       </dsp:txXfrm>
     </dsp:sp>
     <dsp:sp modelId="{CEDA1CAA-D93F-495C-9514-FA64096565ED}">
@@ -2272,8 +2195,8 @@
       </dsp:nvSpPr>
       <dsp:spPr>
         <a:xfrm rot="5400000">
-          <a:off x="3946974" y="-158747"/>
-          <a:ext cx="589527" cy="7213724"/>
+          <a:off x="4235729" y="-123667"/>
+          <a:ext cx="633804" cy="7740145"/>
         </a:xfrm>
         <a:prstGeom prst="round2SameRect">
           <a:avLst/>
@@ -2328,18 +2251,17 @@
             <a:spcAft>
               <a:spcPct val="15000"/>
             </a:spcAft>
-            <a:buChar char="••"/>
+            <a:buChar char="•"/>
           </a:pPr>
           <a:r>
-            <a:rPr lang="zh-CN" altLang="en-US" sz="2400" kern="1200" dirty="0" smtClean="0"/>
+            <a:rPr lang="zh-CN" altLang="en-US" sz="2400" kern="1200" dirty="0"/>
             <a:t>生成动态代理</a:t>
           </a:r>
-          <a:endParaRPr lang="zh-CN" altLang="en-US" sz="2400" kern="1200" dirty="0"/>
         </a:p>
       </dsp:txBody>
       <dsp:txXfrm rot="-5400000">
-        <a:off x="634876" y="3182129"/>
-        <a:ext cx="7184946" cy="531971"/>
+        <a:off x="682559" y="3460443"/>
+        <a:ext cx="7709205" cy="571924"/>
       </dsp:txXfrm>
     </dsp:sp>
   </dsp:spTree>
@@ -4022,8 +3944,8 @@
         </p:nvSpPr>
         <p:spPr bwMode="auto">
           <a:xfrm>
-            <a:off x="917575" y="744538"/>
-            <a:ext cx="4959350" cy="3719512"/>
+            <a:off x="92075" y="744538"/>
+            <a:ext cx="6610350" cy="3719512"/>
           </a:xfrm>
           <a:prstGeom prst="rect">
             <a:avLst/>
@@ -4085,35 +4007,35 @@
           <a:p>
             <a:pPr lvl="0"/>
             <a:r>
-              <a:rPr lang="pt-PT" noProof="0" smtClean="0"/>
+              <a:rPr lang="pt-PT" noProof="0"/>
               <a:t>Click to edit Master text styles</a:t>
             </a:r>
           </a:p>
           <a:p>
             <a:pPr lvl="1"/>
             <a:r>
-              <a:rPr lang="pt-PT" noProof="0" smtClean="0"/>
+              <a:rPr lang="pt-PT" noProof="0"/>
               <a:t>Second level</a:t>
             </a:r>
           </a:p>
           <a:p>
             <a:pPr lvl="2"/>
             <a:r>
-              <a:rPr lang="pt-PT" noProof="0" smtClean="0"/>
+              <a:rPr lang="pt-PT" noProof="0"/>
               <a:t>Third level</a:t>
             </a:r>
           </a:p>
           <a:p>
             <a:pPr lvl="3"/>
             <a:r>
-              <a:rPr lang="pt-PT" noProof="0" smtClean="0"/>
+              <a:rPr lang="pt-PT" noProof="0"/>
               <a:t>Fourth level</a:t>
             </a:r>
           </a:p>
           <a:p>
             <a:pPr lvl="4"/>
             <a:r>
-              <a:rPr lang="pt-PT" noProof="0" smtClean="0"/>
+              <a:rPr lang="pt-PT" noProof="0"/>
               <a:t>Fifth level</a:t>
             </a:r>
           </a:p>
@@ -4388,7 +4310,12 @@
             <p:ph type="sldImg"/>
           </p:nvPr>
         </p:nvSpPr>
-        <p:spPr/>
+        <p:spPr>
+          <a:xfrm>
+            <a:off x="92075" y="744538"/>
+            <a:ext cx="6610350" cy="3719512"/>
+          </a:xfrm>
+        </p:spPr>
       </p:sp>
       <p:sp>
         <p:nvSpPr>
@@ -4406,84 +4333,83 @@
           <a:lstStyle/>
           <a:p>
             <a:r>
-              <a:rPr lang="zh-CN" altLang="en-US" dirty="0" smtClean="0"/>
+              <a:rPr lang="zh-CN" altLang="en-US" dirty="0"/>
               <a:t>静态和动态是针对变量的数据类型而言的，区别如下：</a:t>
             </a:r>
           </a:p>
           <a:p>
-            <a:endParaRPr lang="zh-CN" altLang="en-US" dirty="0" smtClean="0"/>
-          </a:p>
-          <a:p>
-            <a:r>
-              <a:rPr lang="en-US" altLang="zh-CN" dirty="0" smtClean="0"/>
+            <a:endParaRPr lang="zh-CN" altLang="en-US" dirty="0"/>
+          </a:p>
+          <a:p>
+            <a:r>
+              <a:rPr lang="en-US" altLang="zh-CN" dirty="0"/>
               <a:t>1</a:t>
             </a:r>
             <a:r>
-              <a:rPr lang="zh-CN" altLang="en-US" dirty="0" smtClean="0"/>
+              <a:rPr lang="zh-CN" altLang="en-US" dirty="0"/>
               <a:t>、使用静态类型语言编写的代码中，要声明变量的数据类型，而且不同数据类型的变量不允许直接赋值，它的数据类型是编译期间进行检查的。</a:t>
             </a:r>
           </a:p>
           <a:p>
-            <a:endParaRPr lang="zh-CN" altLang="en-US" dirty="0" smtClean="0"/>
-          </a:p>
-          <a:p>
-            <a:r>
-              <a:rPr lang="en-US" altLang="zh-CN" dirty="0" smtClean="0"/>
+            <a:endParaRPr lang="zh-CN" altLang="en-US" dirty="0"/>
+          </a:p>
+          <a:p>
+            <a:r>
+              <a:rPr lang="en-US" altLang="zh-CN" dirty="0"/>
               <a:t>2</a:t>
             </a:r>
             <a:r>
-              <a:rPr lang="zh-CN" altLang="en-US" dirty="0" smtClean="0"/>
+              <a:rPr lang="zh-CN" altLang="en-US" dirty="0"/>
               <a:t>、静态类型语言在使用变量之前，需要为它们分配好内存。</a:t>
             </a:r>
           </a:p>
           <a:p>
-            <a:endParaRPr lang="zh-CN" altLang="en-US" dirty="0" smtClean="0"/>
-          </a:p>
-          <a:p>
-            <a:r>
-              <a:rPr lang="en-US" altLang="zh-CN" dirty="0" smtClean="0"/>
+            <a:endParaRPr lang="zh-CN" altLang="en-US" dirty="0"/>
+          </a:p>
+          <a:p>
+            <a:r>
+              <a:rPr lang="en-US" altLang="zh-CN" dirty="0"/>
               <a:t>3</a:t>
             </a:r>
             <a:r>
-              <a:rPr lang="zh-CN" altLang="en-US" dirty="0" smtClean="0"/>
+              <a:rPr lang="zh-CN" altLang="en-US" dirty="0"/>
               <a:t>、静态类型语言功能强大，但相对难以学习，并且灵活性差。</a:t>
             </a:r>
           </a:p>
           <a:p>
-            <a:endParaRPr lang="zh-CN" altLang="en-US" dirty="0" smtClean="0"/>
-          </a:p>
-          <a:p>
-            <a:r>
-              <a:rPr lang="en-US" altLang="zh-CN" dirty="0" smtClean="0"/>
+            <a:endParaRPr lang="zh-CN" altLang="en-US" dirty="0"/>
+          </a:p>
+          <a:p>
+            <a:r>
+              <a:rPr lang="en-US" altLang="zh-CN" dirty="0"/>
               <a:t>4</a:t>
             </a:r>
             <a:r>
-              <a:rPr lang="zh-CN" altLang="en-US" dirty="0" smtClean="0"/>
+              <a:rPr lang="zh-CN" altLang="en-US" dirty="0"/>
               <a:t>、动态类型语言与静态语言刚好相反，它只在程序运行期间才去进行数据类型检查，不需要给变量指定数据类型，它会在第一次同仁给变量时，在内部记录数据类型。</a:t>
             </a:r>
-            <a:endParaRPr lang="en-US" altLang="zh-CN" dirty="0" smtClean="0"/>
-          </a:p>
-          <a:p>
-            <a:endParaRPr lang="en-US" altLang="zh-CN" dirty="0" smtClean="0"/>
-          </a:p>
-          <a:p>
-            <a:r>
-              <a:rPr lang="en-US" altLang="zh-CN" dirty="0" smtClean="0"/>
+            <a:endParaRPr lang="en-US" altLang="zh-CN" dirty="0"/>
+          </a:p>
+          <a:p>
+            <a:endParaRPr lang="en-US" altLang="zh-CN" dirty="0"/>
+          </a:p>
+          <a:p>
+            <a:r>
+              <a:rPr lang="en-US" altLang="zh-CN" dirty="0"/>
               <a:t>5</a:t>
             </a:r>
             <a:r>
-              <a:rPr lang="zh-CN" altLang="en-US" dirty="0" smtClean="0"/>
+              <a:rPr lang="zh-CN" altLang="en-US" dirty="0"/>
               <a:t>、动态类型语言虽然快速灵活，但在代码运行前很难找到</a:t>
             </a:r>
             <a:r>
-              <a:rPr lang="en-US" altLang="zh-CN" dirty="0" smtClean="0"/>
+              <a:rPr lang="en-US" altLang="zh-CN" dirty="0"/>
               <a:t>bug</a:t>
             </a:r>
             <a:r>
-              <a:rPr lang="zh-CN" altLang="en-US" dirty="0" smtClean="0"/>
+              <a:rPr lang="zh-CN" altLang="en-US" dirty="0"/>
               <a:t>，所以提升了开发速度，但失去程序的健壮性。</a:t>
             </a:r>
-            <a:endParaRPr lang="zh-CN" altLang="en-US" dirty="0"/>
           </a:p>
         </p:txBody>
       </p:sp>
@@ -4557,6 +4483,10 @@
           </p:nvPr>
         </p:nvSpPr>
         <p:spPr bwMode="auto">
+          <a:xfrm>
+            <a:off x="92075" y="744538"/>
+            <a:ext cx="6610350" cy="3719512"/>
+          </a:xfrm>
           <a:noFill/>
           <a:ln>
             <a:solidFill>
@@ -4623,7 +4553,7 @@
               </a:spcBef>
             </a:pPr>
             <a:r>
-              <a:rPr lang="en-US" altLang="zh-CN" dirty="0" smtClean="0"/>
+              <a:rPr lang="en-US" altLang="zh-CN" dirty="0"/>
               <a:t>http://blog.csdn.net/zhangjg_blog/article/details/24271275</a:t>
             </a:r>
           </a:p>
@@ -4634,10 +4564,10 @@
               </a:spcBef>
             </a:pPr>
             <a:r>
-              <a:rPr lang="zh-CN" altLang="en-US" dirty="0" smtClean="0"/>
+              <a:rPr lang="zh-CN" altLang="en-US" dirty="0"/>
               <a:t>方法区存放的不只是方法， 它存放的是类型信息（类的信息）</a:t>
             </a:r>
-            <a:endParaRPr lang="en-US" altLang="zh-CN" dirty="0" smtClean="0"/>
+            <a:endParaRPr lang="en-US" altLang="zh-CN" dirty="0"/>
           </a:p>
           <a:p>
             <a:pPr eaLnBrk="1" hangingPunct="1">
@@ -4646,14 +4576,14 @@
               </a:spcBef>
             </a:pPr>
             <a:r>
-              <a:rPr lang="en-US" altLang="zh-CN" dirty="0" smtClean="0"/>
+              <a:rPr lang="en-US" altLang="zh-CN" dirty="0"/>
               <a:t>	</a:t>
             </a:r>
             <a:r>
-              <a:rPr lang="zh-CN" altLang="en-US" dirty="0" smtClean="0"/>
+              <a:rPr lang="zh-CN" altLang="en-US" dirty="0"/>
               <a:t>类型信息包括：</a:t>
             </a:r>
-            <a:endParaRPr lang="en-US" altLang="zh-CN" dirty="0" smtClean="0"/>
+            <a:endParaRPr lang="en-US" altLang="zh-CN" dirty="0"/>
           </a:p>
           <a:p>
             <a:pPr eaLnBrk="1" hangingPunct="1">
@@ -4662,11 +4592,11 @@
               </a:spcBef>
             </a:pPr>
             <a:r>
-              <a:rPr lang="en-US" altLang="zh-CN" dirty="0" smtClean="0"/>
+              <a:rPr lang="en-US" altLang="zh-CN" dirty="0"/>
               <a:t>	</a:t>
             </a:r>
             <a:r>
-              <a:rPr lang="zh-CN" altLang="en-US" dirty="0" smtClean="0"/>
+              <a:rPr lang="zh-CN" altLang="en-US" dirty="0"/>
               <a:t>类的全限定名</a:t>
             </a:r>
           </a:p>
@@ -4677,11 +4607,11 @@
               </a:spcBef>
             </a:pPr>
             <a:r>
-              <a:rPr lang="en-US" altLang="zh-CN" dirty="0" smtClean="0"/>
+              <a:rPr lang="en-US" altLang="zh-CN" dirty="0"/>
               <a:t>	</a:t>
             </a:r>
             <a:r>
-              <a:rPr lang="zh-CN" altLang="en-US" dirty="0" smtClean="0"/>
+              <a:rPr lang="zh-CN" altLang="en-US" dirty="0"/>
               <a:t>当前类的直接父类的全限定名</a:t>
             </a:r>
           </a:p>
@@ -4692,11 +4622,11 @@
               </a:spcBef>
             </a:pPr>
             <a:r>
-              <a:rPr lang="en-US" altLang="zh-CN" dirty="0" smtClean="0"/>
+              <a:rPr lang="en-US" altLang="zh-CN" dirty="0"/>
               <a:t>	</a:t>
             </a:r>
             <a:r>
-              <a:rPr lang="zh-CN" altLang="en-US" dirty="0" smtClean="0"/>
+              <a:rPr lang="zh-CN" altLang="en-US" dirty="0"/>
               <a:t>这个类是接口类型， 类类型， 还是枚举类型</a:t>
             </a:r>
           </a:p>
@@ -4707,11 +4637,11 @@
               </a:spcBef>
             </a:pPr>
             <a:r>
-              <a:rPr lang="en-US" altLang="zh-CN" dirty="0" smtClean="0"/>
+              <a:rPr lang="en-US" altLang="zh-CN" dirty="0"/>
               <a:t>	</a:t>
             </a:r>
             <a:r>
-              <a:rPr lang="zh-CN" altLang="en-US" dirty="0" smtClean="0"/>
+              <a:rPr lang="zh-CN" altLang="en-US" dirty="0"/>
               <a:t>类的访问修饰符信息</a:t>
             </a:r>
           </a:p>
@@ -4722,11 +4652,11 @@
               </a:spcBef>
             </a:pPr>
             <a:r>
-              <a:rPr lang="en-US" altLang="zh-CN" dirty="0" smtClean="0"/>
+              <a:rPr lang="en-US" altLang="zh-CN" dirty="0"/>
               <a:t>	</a:t>
             </a:r>
             <a:r>
-              <a:rPr lang="zh-CN" altLang="en-US" dirty="0" smtClean="0"/>
+              <a:rPr lang="zh-CN" altLang="en-US" dirty="0"/>
               <a:t>当前类型的超接口的全限定名</a:t>
             </a:r>
           </a:p>
@@ -4737,11 +4667,11 @@
               </a:spcBef>
             </a:pPr>
             <a:r>
-              <a:rPr lang="en-US" altLang="zh-CN" dirty="0" smtClean="0"/>
+              <a:rPr lang="en-US" altLang="zh-CN" dirty="0"/>
               <a:t>	</a:t>
             </a:r>
             <a:r>
-              <a:rPr lang="zh-CN" altLang="en-US" dirty="0" smtClean="0"/>
+              <a:rPr lang="zh-CN" altLang="en-US" dirty="0"/>
               <a:t>当前类型的常量池</a:t>
             </a:r>
           </a:p>
@@ -4752,11 +4682,11 @@
               </a:spcBef>
             </a:pPr>
             <a:r>
-              <a:rPr lang="en-US" altLang="zh-CN" dirty="0" smtClean="0"/>
+              <a:rPr lang="en-US" altLang="zh-CN" dirty="0"/>
               <a:t>	</a:t>
             </a:r>
             <a:r>
-              <a:rPr lang="zh-CN" altLang="en-US" dirty="0" smtClean="0"/>
+              <a:rPr lang="zh-CN" altLang="en-US" dirty="0"/>
               <a:t>字段信息</a:t>
             </a:r>
           </a:p>
@@ -4767,14 +4697,13 @@
               </a:spcBef>
             </a:pPr>
             <a:r>
-              <a:rPr lang="en-US" altLang="zh-CN" dirty="0" smtClean="0"/>
+              <a:rPr lang="en-US" altLang="zh-CN" dirty="0"/>
               <a:t>	</a:t>
             </a:r>
             <a:r>
-              <a:rPr lang="zh-CN" altLang="en-US" dirty="0" smtClean="0"/>
+              <a:rPr lang="zh-CN" altLang="en-US" dirty="0"/>
               <a:t>方法信息</a:t>
             </a:r>
-            <a:endParaRPr lang="zh-CN" altLang="en-US" dirty="0" smtClean="0"/>
           </a:p>
         </p:txBody>
       </p:sp>
@@ -4935,7 +4864,7 @@
               <a:pPr eaLnBrk="1" hangingPunct="1"/>
               <a:t>6</a:t>
             </a:fld>
-            <a:endParaRPr lang="zh-CN" altLang="en-US" sz="1200" smtClean="0">
+            <a:endParaRPr lang="zh-CN" altLang="en-US" sz="1200">
               <a:solidFill>
                 <a:schemeClr val="tx1"/>
               </a:solidFill>
@@ -4984,7 +4913,12 @@
             <p:ph type="sldImg"/>
           </p:nvPr>
         </p:nvSpPr>
-        <p:spPr/>
+        <p:spPr>
+          <a:xfrm>
+            <a:off x="92075" y="744538"/>
+            <a:ext cx="6610350" cy="3719512"/>
+          </a:xfrm>
+        </p:spPr>
       </p:sp>
       <p:sp>
         <p:nvSpPr>
@@ -5019,7 +4953,7 @@
               <a:defRPr/>
             </a:pPr>
             <a:r>
-              <a:rPr lang="en-US" altLang="zh-CN" sz="1200" kern="1200" dirty="0" smtClean="0">
+              <a:rPr lang="en-US" altLang="zh-CN" sz="1200" kern="1200" dirty="0">
                 <a:solidFill>
                   <a:schemeClr val="tx1"/>
                 </a:solidFill>
@@ -5031,7 +4965,7 @@
               <a:t>Class</a:t>
             </a:r>
             <a:r>
-              <a:rPr lang="zh-CN" altLang="zh-CN" sz="1200" kern="1200" dirty="0" smtClean="0">
+              <a:rPr lang="zh-CN" altLang="zh-CN" sz="1200" kern="1200" dirty="0">
                 <a:solidFill>
                   <a:schemeClr val="tx1"/>
                 </a:solidFill>
@@ -5043,7 +4977,7 @@
               <a:t>：表示正在运行的</a:t>
             </a:r>
             <a:r>
-              <a:rPr lang="en-US" altLang="zh-CN" sz="1200" kern="1200" dirty="0" smtClean="0">
+              <a:rPr lang="en-US" altLang="zh-CN" sz="1200" kern="1200" dirty="0">
                 <a:solidFill>
                   <a:schemeClr val="tx1"/>
                 </a:solidFill>
@@ -5055,7 +4989,7 @@
               <a:t> Java </a:t>
             </a:r>
             <a:r>
-              <a:rPr lang="zh-CN" altLang="zh-CN" sz="1200" kern="1200" dirty="0" smtClean="0">
+              <a:rPr lang="zh-CN" altLang="zh-CN" sz="1200" kern="1200" dirty="0">
                 <a:solidFill>
                   <a:schemeClr val="tx1"/>
                 </a:solidFill>
@@ -5086,7 +5020,7 @@
               <a:defRPr/>
             </a:pPr>
             <a:r>
-              <a:rPr lang="en-US" altLang="zh-CN" sz="1200" kern="1200" dirty="0" smtClean="0">
+              <a:rPr lang="en-US" altLang="zh-CN" sz="1200" kern="1200" dirty="0">
                 <a:solidFill>
                   <a:schemeClr val="tx1"/>
                 </a:solidFill>
@@ -5098,7 +5032,7 @@
               <a:t>Field</a:t>
             </a:r>
             <a:r>
-              <a:rPr lang="zh-CN" altLang="zh-CN" sz="1200" kern="1200" dirty="0" smtClean="0">
+              <a:rPr lang="zh-CN" altLang="zh-CN" sz="1200" kern="1200" dirty="0">
                 <a:solidFill>
                   <a:schemeClr val="tx1"/>
                 </a:solidFill>
@@ -5110,7 +5044,7 @@
               <a:t>：提供有关类或接口的属性的信息，以及对它的动态访问权限。某类型中的一个属性在方法区被表示为一个</a:t>
             </a:r>
             <a:r>
-              <a:rPr lang="en-US" altLang="zh-CN" sz="1200" kern="1200" dirty="0" smtClean="0">
+              <a:rPr lang="en-US" altLang="zh-CN" sz="1200" kern="1200" dirty="0">
                 <a:solidFill>
                   <a:schemeClr val="tx1"/>
                 </a:solidFill>
@@ -5122,7 +5056,7 @@
               <a:t>Field</a:t>
             </a:r>
             <a:r>
-              <a:rPr lang="zh-CN" altLang="zh-CN" sz="1200" kern="1200" dirty="0" smtClean="0">
+              <a:rPr lang="zh-CN" altLang="zh-CN" sz="1200" kern="1200" dirty="0">
                 <a:solidFill>
                   <a:schemeClr val="tx1"/>
                 </a:solidFill>
@@ -5134,7 +5068,7 @@
               <a:t>类型的对象，要想获得一个类型所有的属性对应的</a:t>
             </a:r>
             <a:r>
-              <a:rPr lang="en-US" altLang="zh-CN" sz="1200" kern="1200" dirty="0" smtClean="0">
+              <a:rPr lang="en-US" altLang="zh-CN" sz="1200" kern="1200" dirty="0">
                 <a:solidFill>
                   <a:schemeClr val="tx1"/>
                 </a:solidFill>
@@ -5146,7 +5080,7 @@
               <a:t>Field</a:t>
             </a:r>
             <a:r>
-              <a:rPr lang="zh-CN" altLang="zh-CN" sz="1200" kern="1200" dirty="0" smtClean="0">
+              <a:rPr lang="zh-CN" altLang="zh-CN" sz="1200" kern="1200" dirty="0">
                 <a:solidFill>
                   <a:schemeClr val="tx1"/>
                 </a:solidFill>
@@ -5158,7 +5092,7 @@
               <a:t>对象需要通过</a:t>
             </a:r>
             <a:r>
-              <a:rPr lang="en-US" altLang="zh-CN" sz="1200" kern="1200" dirty="0" smtClean="0">
+              <a:rPr lang="en-US" altLang="zh-CN" sz="1200" kern="1200" dirty="0">
                 <a:solidFill>
                   <a:schemeClr val="tx1"/>
                 </a:solidFill>
@@ -5170,7 +5104,7 @@
               <a:t>Class</a:t>
             </a:r>
             <a:r>
-              <a:rPr lang="zh-CN" altLang="zh-CN" sz="1200" kern="1200" dirty="0" smtClean="0">
+              <a:rPr lang="zh-CN" altLang="zh-CN" sz="1200" kern="1200" dirty="0">
                 <a:solidFill>
                   <a:schemeClr val="tx1"/>
                 </a:solidFill>
@@ -5182,7 +5116,7 @@
               <a:t>对象的</a:t>
             </a:r>
             <a:r>
-              <a:rPr lang="en-US" altLang="zh-CN" sz="1200" u="none" strike="noStrike" kern="1200" dirty="0" err="1" smtClean="0">
+              <a:rPr lang="en-US" altLang="zh-CN" sz="1200" u="none" strike="noStrike" kern="1200" dirty="0" err="1">
                 <a:solidFill>
                   <a:schemeClr val="tx1"/>
                 </a:solidFill>
@@ -5195,7 +5129,7 @@
               <a:t>getFields</a:t>
             </a:r>
             <a:r>
-              <a:rPr lang="en-US" altLang="zh-CN" sz="1200" kern="1200" dirty="0" smtClean="0">
+              <a:rPr lang="en-US" altLang="zh-CN" sz="1200" kern="1200" dirty="0">
                 <a:solidFill>
                   <a:schemeClr val="tx1"/>
                 </a:solidFill>
@@ -5207,7 +5141,7 @@
               <a:t>()</a:t>
             </a:r>
             <a:r>
-              <a:rPr lang="zh-CN" altLang="zh-CN" sz="1200" kern="1200" dirty="0" smtClean="0">
+              <a:rPr lang="zh-CN" altLang="zh-CN" sz="1200" kern="1200" dirty="0">
                 <a:solidFill>
                   <a:schemeClr val="tx1"/>
                 </a:solidFill>
@@ -5219,7 +5153,7 @@
               <a:t>方法，返回值是一个</a:t>
             </a:r>
             <a:r>
-              <a:rPr lang="en-US" altLang="zh-CN" sz="1200" kern="1200" dirty="0" smtClean="0">
+              <a:rPr lang="en-US" altLang="zh-CN" sz="1200" kern="1200" dirty="0">
                 <a:solidFill>
                   <a:schemeClr val="tx1"/>
                 </a:solidFill>
@@ -5231,7 +5165,7 @@
               <a:t>Field</a:t>
             </a:r>
             <a:r>
-              <a:rPr lang="zh-CN" altLang="zh-CN" sz="1200" kern="1200" dirty="0" smtClean="0">
+              <a:rPr lang="zh-CN" altLang="zh-CN" sz="1200" kern="1200" dirty="0">
                 <a:solidFill>
                   <a:schemeClr val="tx1"/>
                 </a:solidFill>
@@ -5262,7 +5196,7 @@
               <a:defRPr/>
             </a:pPr>
             <a:r>
-              <a:rPr lang="en-US" altLang="zh-CN" sz="1200" kern="1200" dirty="0" smtClean="0">
+              <a:rPr lang="en-US" altLang="zh-CN" sz="1200" kern="1200" dirty="0">
                 <a:solidFill>
                   <a:schemeClr val="tx1"/>
                 </a:solidFill>
@@ -5274,7 +5208,7 @@
               <a:t>Constructor</a:t>
             </a:r>
             <a:r>
-              <a:rPr lang="zh-CN" altLang="zh-CN" sz="1200" kern="1200" dirty="0" smtClean="0">
+              <a:rPr lang="zh-CN" altLang="zh-CN" sz="1200" kern="1200" dirty="0">
                 <a:solidFill>
                   <a:schemeClr val="tx1"/>
                 </a:solidFill>
@@ -5286,7 +5220,7 @@
               <a:t>：提供关于类的单个构造方法的信息以及对它的访问权限。某类型中定义的一个构造方法在方法区被表示为一个</a:t>
             </a:r>
             <a:r>
-              <a:rPr lang="en-US" altLang="zh-CN" sz="1200" kern="1200" dirty="0" smtClean="0">
+              <a:rPr lang="en-US" altLang="zh-CN" sz="1200" kern="1200" dirty="0">
                 <a:solidFill>
                   <a:schemeClr val="tx1"/>
                 </a:solidFill>
@@ -5298,7 +5232,7 @@
               <a:t>Constructor</a:t>
             </a:r>
             <a:r>
-              <a:rPr lang="zh-CN" altLang="zh-CN" sz="1200" kern="1200" dirty="0" smtClean="0">
+              <a:rPr lang="zh-CN" altLang="zh-CN" sz="1200" kern="1200" dirty="0">
                 <a:solidFill>
                   <a:schemeClr val="tx1"/>
                 </a:solidFill>
@@ -5310,7 +5244,7 @@
               <a:t>类型的对象，要想获得一个类型所有的构造方法对应的</a:t>
             </a:r>
             <a:r>
-              <a:rPr lang="en-US" altLang="zh-CN" sz="1200" kern="1200" dirty="0" smtClean="0">
+              <a:rPr lang="en-US" altLang="zh-CN" sz="1200" kern="1200" dirty="0">
                 <a:solidFill>
                   <a:schemeClr val="tx1"/>
                 </a:solidFill>
@@ -5322,7 +5256,7 @@
               <a:t>Constructor</a:t>
             </a:r>
             <a:r>
-              <a:rPr lang="zh-CN" altLang="zh-CN" sz="1200" kern="1200" dirty="0" smtClean="0">
+              <a:rPr lang="zh-CN" altLang="zh-CN" sz="1200" kern="1200" dirty="0">
                 <a:solidFill>
                   <a:schemeClr val="tx1"/>
                 </a:solidFill>
@@ -5334,7 +5268,7 @@
               <a:t>对象需要通过</a:t>
             </a:r>
             <a:r>
-              <a:rPr lang="en-US" altLang="zh-CN" sz="1200" kern="1200" dirty="0" smtClean="0">
+              <a:rPr lang="en-US" altLang="zh-CN" sz="1200" kern="1200" dirty="0">
                 <a:solidFill>
                   <a:schemeClr val="tx1"/>
                 </a:solidFill>
@@ -5346,7 +5280,7 @@
               <a:t>Class</a:t>
             </a:r>
             <a:r>
-              <a:rPr lang="zh-CN" altLang="zh-CN" sz="1200" kern="1200" dirty="0" smtClean="0">
+              <a:rPr lang="zh-CN" altLang="zh-CN" sz="1200" kern="1200" dirty="0">
                 <a:solidFill>
                   <a:schemeClr val="tx1"/>
                 </a:solidFill>
@@ -5358,7 +5292,7 @@
               <a:t>对象的</a:t>
             </a:r>
             <a:r>
-              <a:rPr lang="en-US" altLang="zh-CN" sz="1200" kern="1200" dirty="0" err="1" smtClean="0">
+              <a:rPr lang="en-US" altLang="zh-CN" sz="1200" kern="1200" dirty="0" err="1">
                 <a:solidFill>
                   <a:schemeClr val="tx1"/>
                 </a:solidFill>
@@ -5370,7 +5304,7 @@
               <a:t>getConstructors</a:t>
             </a:r>
             <a:r>
-              <a:rPr lang="en-US" altLang="zh-CN" sz="1200" kern="1200" dirty="0" smtClean="0">
+              <a:rPr lang="en-US" altLang="zh-CN" sz="1200" kern="1200" dirty="0">
                 <a:solidFill>
                   <a:schemeClr val="tx1"/>
                 </a:solidFill>
@@ -5382,7 +5316,7 @@
               <a:t>()</a:t>
             </a:r>
             <a:r>
-              <a:rPr lang="zh-CN" altLang="zh-CN" sz="1200" kern="1200" dirty="0" smtClean="0">
+              <a:rPr lang="zh-CN" altLang="zh-CN" sz="1200" kern="1200" dirty="0">
                 <a:solidFill>
                   <a:schemeClr val="tx1"/>
                 </a:solidFill>
@@ -5394,7 +5328,7 @@
               <a:t>方法，返回值是一个</a:t>
             </a:r>
             <a:r>
-              <a:rPr lang="en-US" altLang="zh-CN" sz="1200" kern="1200" dirty="0" smtClean="0">
+              <a:rPr lang="en-US" altLang="zh-CN" sz="1200" kern="1200" dirty="0">
                 <a:solidFill>
                   <a:schemeClr val="tx1"/>
                 </a:solidFill>
@@ -5406,7 +5340,7 @@
               <a:t>Constructor</a:t>
             </a:r>
             <a:r>
-              <a:rPr lang="zh-CN" altLang="zh-CN" sz="1200" kern="1200" dirty="0" smtClean="0">
+              <a:rPr lang="zh-CN" altLang="zh-CN" sz="1200" kern="1200" dirty="0">
                 <a:solidFill>
                   <a:schemeClr val="tx1"/>
                 </a:solidFill>
@@ -5437,7 +5371,7 @@
               <a:defRPr/>
             </a:pPr>
             <a:r>
-              <a:rPr lang="en-US" altLang="zh-CN" sz="1200" kern="1200" dirty="0" smtClean="0">
+              <a:rPr lang="en-US" altLang="zh-CN" sz="1200" kern="1200" dirty="0">
                 <a:solidFill>
                   <a:schemeClr val="tx1"/>
                 </a:solidFill>
@@ -5449,7 +5383,7 @@
               <a:t>Method</a:t>
             </a:r>
             <a:r>
-              <a:rPr lang="zh-CN" altLang="zh-CN" sz="1200" kern="1200" dirty="0" smtClean="0">
+              <a:rPr lang="zh-CN" altLang="zh-CN" sz="1200" kern="1200" dirty="0">
                 <a:solidFill>
                   <a:schemeClr val="tx1"/>
                 </a:solidFill>
@@ -5461,7 +5395,7 @@
               <a:t>：提供关于类或接口上单独某个方法的信息。某类型中定义的一个方法在方法区被表示为一个</a:t>
             </a:r>
             <a:r>
-              <a:rPr lang="en-US" altLang="zh-CN" sz="1200" kern="1200" dirty="0" smtClean="0">
+              <a:rPr lang="en-US" altLang="zh-CN" sz="1200" kern="1200" dirty="0">
                 <a:solidFill>
                   <a:schemeClr val="tx1"/>
                 </a:solidFill>
@@ -5473,7 +5407,7 @@
               <a:t>Method</a:t>
             </a:r>
             <a:r>
-              <a:rPr lang="zh-CN" altLang="zh-CN" sz="1200" kern="1200" dirty="0" smtClean="0">
+              <a:rPr lang="zh-CN" altLang="zh-CN" sz="1200" kern="1200" dirty="0">
                 <a:solidFill>
                   <a:schemeClr val="tx1"/>
                 </a:solidFill>
@@ -5485,7 +5419,7 @@
               <a:t>类型对象，要想获得一个类型所有的方法对应的</a:t>
             </a:r>
             <a:r>
-              <a:rPr lang="en-US" altLang="zh-CN" sz="1200" kern="1200" dirty="0" smtClean="0">
+              <a:rPr lang="en-US" altLang="zh-CN" sz="1200" kern="1200" dirty="0">
                 <a:solidFill>
                   <a:schemeClr val="tx1"/>
                 </a:solidFill>
@@ -5497,7 +5431,7 @@
               <a:t>Method</a:t>
             </a:r>
             <a:r>
-              <a:rPr lang="zh-CN" altLang="zh-CN" sz="1200" kern="1200" dirty="0" smtClean="0">
+              <a:rPr lang="zh-CN" altLang="zh-CN" sz="1200" kern="1200" dirty="0">
                 <a:solidFill>
                   <a:schemeClr val="tx1"/>
                 </a:solidFill>
@@ -5509,7 +5443,7 @@
               <a:t>对象需要通过</a:t>
             </a:r>
             <a:r>
-              <a:rPr lang="en-US" altLang="zh-CN" sz="1200" kern="1200" dirty="0" smtClean="0">
+              <a:rPr lang="en-US" altLang="zh-CN" sz="1200" kern="1200" dirty="0">
                 <a:solidFill>
                   <a:schemeClr val="tx1"/>
                 </a:solidFill>
@@ -5521,7 +5455,7 @@
               <a:t>Class</a:t>
             </a:r>
             <a:r>
-              <a:rPr lang="zh-CN" altLang="zh-CN" sz="1200" kern="1200" dirty="0" smtClean="0">
+              <a:rPr lang="zh-CN" altLang="zh-CN" sz="1200" kern="1200" dirty="0">
                 <a:solidFill>
                   <a:schemeClr val="tx1"/>
                 </a:solidFill>
@@ -5533,7 +5467,7 @@
               <a:t>对象的</a:t>
             </a:r>
             <a:r>
-              <a:rPr lang="en-US" altLang="zh-CN" sz="1200" kern="1200" dirty="0" err="1" smtClean="0">
+              <a:rPr lang="en-US" altLang="zh-CN" sz="1200" kern="1200" dirty="0" err="1">
                 <a:solidFill>
                   <a:schemeClr val="tx1"/>
                 </a:solidFill>
@@ -5545,7 +5479,7 @@
               <a:t>getMethods</a:t>
             </a:r>
             <a:r>
-              <a:rPr lang="en-US" altLang="zh-CN" sz="1200" kern="1200" dirty="0" smtClean="0">
+              <a:rPr lang="en-US" altLang="zh-CN" sz="1200" kern="1200" dirty="0">
                 <a:solidFill>
                   <a:schemeClr val="tx1"/>
                 </a:solidFill>
@@ -5557,7 +5491,7 @@
               <a:t>()</a:t>
             </a:r>
             <a:r>
-              <a:rPr lang="zh-CN" altLang="zh-CN" sz="1200" kern="1200" dirty="0" smtClean="0">
+              <a:rPr lang="zh-CN" altLang="zh-CN" sz="1200" kern="1200" dirty="0">
                 <a:solidFill>
                   <a:schemeClr val="tx1"/>
                 </a:solidFill>
@@ -5569,7 +5503,7 @@
               <a:t>方法，返回值是一个</a:t>
             </a:r>
             <a:r>
-              <a:rPr lang="en-US" altLang="zh-CN" sz="1200" kern="1200" dirty="0" smtClean="0">
+              <a:rPr lang="en-US" altLang="zh-CN" sz="1200" kern="1200" dirty="0">
                 <a:solidFill>
                   <a:schemeClr val="tx1"/>
                 </a:solidFill>
@@ -5581,7 +5515,7 @@
               <a:t>Method</a:t>
             </a:r>
             <a:r>
-              <a:rPr lang="zh-CN" altLang="zh-CN" sz="1200" kern="1200" dirty="0" smtClean="0">
+              <a:rPr lang="zh-CN" altLang="zh-CN" sz="1200" kern="1200" dirty="0">
                 <a:solidFill>
                   <a:schemeClr val="tx1"/>
                 </a:solidFill>
@@ -5667,7 +5601,12 @@
             <p:ph type="sldImg"/>
           </p:nvPr>
         </p:nvSpPr>
-        <p:spPr/>
+        <p:spPr>
+          <a:xfrm>
+            <a:off x="92075" y="744538"/>
+            <a:ext cx="6610350" cy="3719512"/>
+          </a:xfrm>
+        </p:spPr>
       </p:sp>
       <p:sp>
         <p:nvSpPr>
@@ -5757,13 +5696,6 @@
   <p:clrMapOvr>
     <a:masterClrMapping/>
   </p:clrMapOvr>
-  <p:timing>
-    <p:tnLst>
-      <p:par>
-        <p:cTn id="1" dur="indefinite" restart="never" nodeType="tmRoot"/>
-      </p:par>
-    </p:tnLst>
-  </p:timing>
 </p:sldLayout>
 </file>
 
@@ -5796,8 +5728,8 @@
         </p:nvSpPr>
         <p:spPr>
           <a:xfrm>
-            <a:off x="685800" y="2130425"/>
-            <a:ext cx="7772400" cy="1470025"/>
+            <a:off x="914400" y="2130426"/>
+            <a:ext cx="10363200" cy="1470025"/>
           </a:xfrm>
           <a:prstGeom prst="rect">
             <a:avLst/>
@@ -5826,10 +5758,9 @@
           </a:lstStyle>
           <a:p>
             <a:r>
-              <a:rPr lang="zh-CN" altLang="en-US" smtClean="0"/>
+              <a:rPr lang="zh-CN" altLang="en-US"/>
               <a:t>单击此处编辑母版标题样式</a:t>
             </a:r>
-            <a:endParaRPr lang="zh-CN" altLang="en-US"/>
           </a:p>
         </p:txBody>
       </p:sp>
@@ -5845,8 +5776,8 @@
         </p:nvSpPr>
         <p:spPr>
           <a:xfrm>
-            <a:off x="1371600" y="3886200"/>
-            <a:ext cx="6400800" cy="1752600"/>
+            <a:off x="1828800" y="3886200"/>
+            <a:ext cx="8534400" cy="1752600"/>
           </a:xfrm>
           <a:prstGeom prst="rect">
             <a:avLst/>
@@ -5909,10 +5840,9 @@
           </a:lstStyle>
           <a:p>
             <a:r>
-              <a:rPr lang="zh-CN" altLang="en-US" smtClean="0"/>
+              <a:rPr lang="zh-CN" altLang="en-US"/>
               <a:t>单击此处编辑母版副标题样式</a:t>
             </a:r>
-            <a:endParaRPr lang="zh-CN" altLang="en-US"/>
           </a:p>
         </p:txBody>
       </p:sp>
@@ -5928,8 +5858,8 @@
         </p:nvSpPr>
         <p:spPr>
           <a:xfrm>
-            <a:off x="457200" y="6245225"/>
-            <a:ext cx="2133600" cy="476250"/>
+            <a:off x="609600" y="6245225"/>
+            <a:ext cx="2844800" cy="476250"/>
           </a:xfrm>
           <a:prstGeom prst="rect">
             <a:avLst/>
@@ -5991,8 +5921,8 @@
         </p:nvSpPr>
         <p:spPr>
           <a:xfrm>
-            <a:off x="6553200" y="6245225"/>
-            <a:ext cx="2133600" cy="476250"/>
+            <a:off x="8737600" y="6245225"/>
+            <a:ext cx="2844800" cy="476250"/>
           </a:xfrm>
           <a:prstGeom prst="rect">
             <a:avLst/>
@@ -6048,8 +5978,8 @@
         </p:blipFill>
         <p:spPr bwMode="auto">
           <a:xfrm>
-            <a:off x="323528" y="188640"/>
-            <a:ext cx="1104900" cy="2017712"/>
+            <a:off x="431371" y="188640"/>
+            <a:ext cx="1473200" cy="2017712"/>
           </a:xfrm>
           <a:prstGeom prst="rect">
             <a:avLst/>
@@ -6089,13 +6019,6 @@
   <p:clrMapOvr>
     <a:masterClrMapping/>
   </p:clrMapOvr>
-  <p:timing>
-    <p:tnLst>
-      <p:par>
-        <p:cTn id="1" dur="indefinite" restart="never" nodeType="tmRoot"/>
-      </p:par>
-    </p:tnLst>
-  </p:timing>
 </p:sldLayout>
 </file>
 
@@ -6128,8 +6051,8 @@
         </p:nvSpPr>
         <p:spPr>
           <a:xfrm>
-            <a:off x="457200" y="274638"/>
-            <a:ext cx="8229600" cy="742094"/>
+            <a:off x="609600" y="274638"/>
+            <a:ext cx="10972800" cy="742094"/>
           </a:xfrm>
           <a:prstGeom prst="rect">
             <a:avLst/>
@@ -6152,10 +6075,9 @@
           <a:p>
             <a:pPr lvl="0" algn="l"/>
             <a:r>
-              <a:rPr lang="zh-CN" altLang="en-US" smtClean="0"/>
+              <a:rPr lang="zh-CN" altLang="en-US"/>
               <a:t>单击此处编辑母版标题样式</a:t>
             </a:r>
-            <a:endParaRPr lang="zh-CN" altLang="en-US"/>
           </a:p>
         </p:txBody>
       </p:sp>
@@ -6171,8 +6093,8 @@
         </p:nvSpPr>
         <p:spPr>
           <a:xfrm>
-            <a:off x="457200" y="1160748"/>
-            <a:ext cx="8229600" cy="4965415"/>
+            <a:off x="609600" y="1160749"/>
+            <a:ext cx="10972800" cy="4965415"/>
           </a:xfrm>
           <a:prstGeom prst="rect">
             <a:avLst/>
@@ -6259,38 +6181,37 @@
               </a:spcBef>
             </a:pPr>
             <a:r>
-              <a:rPr lang="zh-CN" altLang="en-US" smtClean="0"/>
+              <a:rPr lang="zh-CN" altLang="en-US"/>
               <a:t>单击此处编辑母版文本样式</a:t>
             </a:r>
           </a:p>
           <a:p>
             <a:pPr lvl="1"/>
             <a:r>
-              <a:rPr lang="zh-CN" altLang="en-US" smtClean="0"/>
+              <a:rPr lang="zh-CN" altLang="en-US"/>
               <a:t>第二级</a:t>
             </a:r>
           </a:p>
           <a:p>
             <a:pPr lvl="2"/>
             <a:r>
-              <a:rPr lang="zh-CN" altLang="en-US" smtClean="0"/>
+              <a:rPr lang="zh-CN" altLang="en-US"/>
               <a:t>第三级</a:t>
             </a:r>
           </a:p>
           <a:p>
             <a:pPr lvl="3"/>
             <a:r>
-              <a:rPr lang="zh-CN" altLang="en-US" smtClean="0"/>
+              <a:rPr lang="zh-CN" altLang="en-US"/>
               <a:t>第四级</a:t>
             </a:r>
           </a:p>
           <a:p>
             <a:pPr lvl="4"/>
             <a:r>
-              <a:rPr lang="zh-CN" altLang="en-US" smtClean="0"/>
+              <a:rPr lang="zh-CN" altLang="en-US"/>
               <a:t>第五级</a:t>
             </a:r>
-            <a:endParaRPr lang="zh-CN" altLang="en-US"/>
           </a:p>
         </p:txBody>
       </p:sp>
@@ -6302,8 +6223,8 @@
         </p:nvSpPr>
         <p:spPr>
           <a:xfrm>
-            <a:off x="7272300" y="6263751"/>
-            <a:ext cx="1512168" cy="369332"/>
+            <a:off x="9696400" y="6263751"/>
+            <a:ext cx="2016224" cy="369332"/>
           </a:xfrm>
           <a:prstGeom prst="rect">
             <a:avLst/>
@@ -6317,7 +6238,7 @@
           <a:lstStyle/>
           <a:p>
             <a:r>
-              <a:rPr lang="en-US" altLang="zh-CN" sz="1800" smtClean="0">
+              <a:rPr lang="en-US" altLang="zh-CN" sz="1800">
                 <a:solidFill>
                   <a:schemeClr val="tx1"/>
                 </a:solidFill>
@@ -6356,13 +6277,6 @@
   <p:clrMapOvr>
     <a:masterClrMapping/>
   </p:clrMapOvr>
-  <p:timing>
-    <p:tnLst>
-      <p:par>
-        <p:cTn id="1" dur="indefinite" restart="never" nodeType="tmRoot"/>
-      </p:par>
-    </p:tnLst>
-  </p:timing>
 </p:sldLayout>
 </file>
 
@@ -6395,8 +6309,8 @@
         </p:nvSpPr>
         <p:spPr>
           <a:xfrm>
-            <a:off x="457200" y="274638"/>
-            <a:ext cx="8229600" cy="706090"/>
+            <a:off x="609600" y="274638"/>
+            <a:ext cx="10972800" cy="706090"/>
           </a:xfrm>
           <a:prstGeom prst="rect">
             <a:avLst/>
@@ -6419,10 +6333,9 @@
           <a:p>
             <a:pPr lvl="0" algn="l"/>
             <a:r>
-              <a:rPr lang="zh-CN" altLang="en-US" smtClean="0"/>
+              <a:rPr lang="zh-CN" altLang="en-US"/>
               <a:t>单击此处编辑母版标题样式</a:t>
             </a:r>
-            <a:endParaRPr lang="zh-CN" altLang="en-US"/>
           </a:p>
         </p:txBody>
       </p:sp>
@@ -6438,8 +6351,8 @@
         </p:nvSpPr>
         <p:spPr>
           <a:xfrm>
-            <a:off x="457200" y="1088740"/>
-            <a:ext cx="4038600" cy="5037423"/>
+            <a:off x="609600" y="1088740"/>
+            <a:ext cx="5384800" cy="5037423"/>
           </a:xfrm>
           <a:prstGeom prst="rect">
             <a:avLst/>
@@ -6478,38 +6391,37 @@
               </a:spcBef>
             </a:pPr>
             <a:r>
-              <a:rPr lang="zh-CN" altLang="en-US" smtClean="0"/>
+              <a:rPr lang="zh-CN" altLang="en-US"/>
               <a:t>单击此处编辑母版文本样式</a:t>
             </a:r>
           </a:p>
           <a:p>
             <a:pPr lvl="1"/>
             <a:r>
-              <a:rPr lang="zh-CN" altLang="en-US" smtClean="0"/>
+              <a:rPr lang="zh-CN" altLang="en-US"/>
               <a:t>第二级</a:t>
             </a:r>
           </a:p>
           <a:p>
             <a:pPr lvl="2"/>
             <a:r>
-              <a:rPr lang="zh-CN" altLang="en-US" smtClean="0"/>
+              <a:rPr lang="zh-CN" altLang="en-US"/>
               <a:t>第三级</a:t>
             </a:r>
           </a:p>
           <a:p>
             <a:pPr lvl="3"/>
             <a:r>
-              <a:rPr lang="zh-CN" altLang="en-US" smtClean="0"/>
+              <a:rPr lang="zh-CN" altLang="en-US"/>
               <a:t>第四级</a:t>
             </a:r>
           </a:p>
           <a:p>
             <a:pPr lvl="4"/>
             <a:r>
-              <a:rPr lang="zh-CN" altLang="en-US" smtClean="0"/>
+              <a:rPr lang="zh-CN" altLang="en-US"/>
               <a:t>第五级</a:t>
             </a:r>
-            <a:endParaRPr lang="zh-CN" altLang="en-US"/>
           </a:p>
         </p:txBody>
       </p:sp>
@@ -6525,8 +6437,8 @@
         </p:nvSpPr>
         <p:spPr>
           <a:xfrm>
-            <a:off x="4648200" y="1088740"/>
-            <a:ext cx="4038600" cy="5037423"/>
+            <a:off x="6197600" y="1088740"/>
+            <a:ext cx="5384800" cy="5037423"/>
           </a:xfrm>
           <a:prstGeom prst="rect">
             <a:avLst/>
@@ -6565,38 +6477,37 @@
               </a:spcBef>
             </a:pPr>
             <a:r>
-              <a:rPr lang="zh-CN" altLang="en-US" smtClean="0"/>
+              <a:rPr lang="zh-CN" altLang="en-US"/>
               <a:t>单击此处编辑母版文本样式</a:t>
             </a:r>
           </a:p>
           <a:p>
             <a:pPr lvl="1"/>
             <a:r>
-              <a:rPr lang="zh-CN" altLang="en-US" smtClean="0"/>
+              <a:rPr lang="zh-CN" altLang="en-US"/>
               <a:t>第二级</a:t>
             </a:r>
           </a:p>
           <a:p>
             <a:pPr lvl="2"/>
             <a:r>
-              <a:rPr lang="zh-CN" altLang="en-US" smtClean="0"/>
+              <a:rPr lang="zh-CN" altLang="en-US"/>
               <a:t>第三级</a:t>
             </a:r>
           </a:p>
           <a:p>
             <a:pPr lvl="3"/>
             <a:r>
-              <a:rPr lang="zh-CN" altLang="en-US" smtClean="0"/>
+              <a:rPr lang="zh-CN" altLang="en-US"/>
               <a:t>第四级</a:t>
             </a:r>
           </a:p>
           <a:p>
             <a:pPr lvl="4"/>
             <a:r>
-              <a:rPr lang="zh-CN" altLang="en-US" smtClean="0"/>
+              <a:rPr lang="zh-CN" altLang="en-US"/>
               <a:t>第五级</a:t>
             </a:r>
-            <a:endParaRPr lang="zh-CN" altLang="en-US"/>
           </a:p>
         </p:txBody>
       </p:sp>
@@ -6612,8 +6523,8 @@
         </p:nvSpPr>
         <p:spPr>
           <a:xfrm>
-            <a:off x="457200" y="6245225"/>
-            <a:ext cx="2133600" cy="476250"/>
+            <a:off x="609600" y="6245225"/>
+            <a:ext cx="2844800" cy="476250"/>
           </a:xfrm>
           <a:prstGeom prst="rect">
             <a:avLst/>
@@ -6675,8 +6586,8 @@
         </p:nvSpPr>
         <p:spPr>
           <a:xfrm>
-            <a:off x="6553200" y="6245225"/>
-            <a:ext cx="2133600" cy="476250"/>
+            <a:off x="8737600" y="6245225"/>
+            <a:ext cx="2844800" cy="476250"/>
           </a:xfrm>
           <a:prstGeom prst="rect">
             <a:avLst/>
@@ -6717,8 +6628,8 @@
         </p:nvSpPr>
         <p:spPr>
           <a:xfrm>
-            <a:off x="7272300" y="6263751"/>
-            <a:ext cx="1512168" cy="369332"/>
+            <a:off x="9696400" y="6263751"/>
+            <a:ext cx="2016224" cy="369332"/>
           </a:xfrm>
           <a:prstGeom prst="rect">
             <a:avLst/>
@@ -6732,7 +6643,7 @@
           <a:lstStyle/>
           <a:p>
             <a:r>
-              <a:rPr lang="en-US" altLang="zh-CN" sz="1800" smtClean="0">
+              <a:rPr lang="en-US" altLang="zh-CN" sz="1800">
                 <a:solidFill>
                   <a:schemeClr val="tx1"/>
                 </a:solidFill>
@@ -6771,13 +6682,6 @@
   <p:clrMapOvr>
     <a:masterClrMapping/>
   </p:clrMapOvr>
-  <p:timing>
-    <p:tnLst>
-      <p:par>
-        <p:cTn id="1" dur="indefinite" restart="never" nodeType="tmRoot"/>
-      </p:par>
-    </p:tnLst>
-  </p:timing>
 </p:sldLayout>
 </file>
 
@@ -6810,8 +6714,8 @@
         </p:nvSpPr>
         <p:spPr>
           <a:xfrm>
-            <a:off x="457200" y="6245225"/>
-            <a:ext cx="2133600" cy="476250"/>
+            <a:off x="609600" y="6245225"/>
+            <a:ext cx="2844800" cy="476250"/>
           </a:xfrm>
           <a:prstGeom prst="rect">
             <a:avLst/>
@@ -6873,8 +6777,8 @@
         </p:nvSpPr>
         <p:spPr>
           <a:xfrm>
-            <a:off x="6553200" y="6245225"/>
-            <a:ext cx="2133600" cy="476250"/>
+            <a:off x="8737600" y="6245225"/>
+            <a:ext cx="2844800" cy="476250"/>
           </a:xfrm>
           <a:prstGeom prst="rect">
             <a:avLst/>
@@ -6915,8 +6819,8 @@
         </p:nvSpPr>
         <p:spPr>
           <a:xfrm>
-            <a:off x="7272300" y="6263751"/>
-            <a:ext cx="1512168" cy="369332"/>
+            <a:off x="9696400" y="6263751"/>
+            <a:ext cx="2016224" cy="369332"/>
           </a:xfrm>
           <a:prstGeom prst="rect">
             <a:avLst/>
@@ -6930,7 +6834,7 @@
           <a:lstStyle/>
           <a:p>
             <a:r>
-              <a:rPr lang="en-US" altLang="zh-CN" sz="1800" smtClean="0">
+              <a:rPr lang="en-US" altLang="zh-CN" sz="1800">
                 <a:solidFill>
                   <a:schemeClr val="tx1"/>
                 </a:solidFill>
@@ -6971,8 +6875,8 @@
         </p:nvSpPr>
         <p:spPr>
           <a:xfrm>
-            <a:off x="457200" y="274638"/>
-            <a:ext cx="8229600" cy="742094"/>
+            <a:off x="609600" y="274638"/>
+            <a:ext cx="10972800" cy="742094"/>
           </a:xfrm>
           <a:prstGeom prst="rect">
             <a:avLst/>
@@ -6995,10 +6899,9 @@
           <a:p>
             <a:pPr lvl="0" algn="l"/>
             <a:r>
-              <a:rPr lang="zh-CN" altLang="en-US" smtClean="0"/>
+              <a:rPr lang="zh-CN" altLang="en-US"/>
               <a:t>单击此处编辑母版标题样式</a:t>
             </a:r>
-            <a:endParaRPr lang="zh-CN" altLang="en-US"/>
           </a:p>
         </p:txBody>
       </p:sp>
@@ -7012,13 +6915,6 @@
   <p:clrMapOvr>
     <a:masterClrMapping/>
   </p:clrMapOvr>
-  <p:timing>
-    <p:tnLst>
-      <p:par>
-        <p:cTn id="1" dur="indefinite" restart="never" nodeType="tmRoot"/>
-      </p:par>
-    </p:tnLst>
-  </p:timing>
 </p:sldLayout>
 </file>
 
@@ -7070,8 +6966,8 @@
         </p:blipFill>
         <p:spPr bwMode="auto">
           <a:xfrm>
-            <a:off x="0" y="0"/>
-            <a:ext cx="9144000" cy="1000125"/>
+            <a:off x="0" y="1"/>
+            <a:ext cx="12192000" cy="1000125"/>
           </a:xfrm>
           <a:prstGeom prst="rect">
             <a:avLst/>
@@ -7113,8 +7009,8 @@
         </p:nvSpPr>
         <p:spPr bwMode="auto">
           <a:xfrm>
-            <a:off x="3124200" y="6245225"/>
-            <a:ext cx="2895600" cy="476250"/>
+            <a:off x="4165600" y="6245225"/>
+            <a:ext cx="3860800" cy="476250"/>
           </a:xfrm>
           <a:prstGeom prst="rect">
             <a:avLst/>
@@ -7193,8 +7089,8 @@
         </p:blipFill>
         <p:spPr bwMode="auto">
           <a:xfrm>
-            <a:off x="0" y="0"/>
-            <a:ext cx="2916238" cy="1000125"/>
+            <a:off x="0" y="1"/>
+            <a:ext cx="3888317" cy="1000125"/>
           </a:xfrm>
           <a:prstGeom prst="rect">
             <a:avLst/>
@@ -7684,10 +7580,9 @@
           <a:lstStyle/>
           <a:p>
             <a:r>
-              <a:rPr lang="zh-CN" altLang="en-US" smtClean="0"/>
-              <a:t>反射</a:t>
-            </a:r>
-            <a:endParaRPr lang="zh-CN" altLang="en-US"/>
+              <a:rPr lang="zh-CN" altLang="en-US" dirty="0"/>
+              <a:t>第十八章  反射</a:t>
+            </a:r>
           </a:p>
         </p:txBody>
       </p:sp>
@@ -7706,10 +7601,6 @@
           <a:bodyPr/>
           <a:lstStyle/>
           <a:p>
-            <a:r>
-              <a:rPr lang="zh-CN" altLang="en-US" dirty="0" smtClean="0"/>
-              <a:t>李玮玮</a:t>
-            </a:r>
             <a:endParaRPr lang="zh-CN" altLang="en-US" dirty="0"/>
           </a:p>
         </p:txBody>
@@ -7719,13 +7610,6 @@
   <p:clrMapOvr>
     <a:masterClrMapping/>
   </p:clrMapOvr>
-  <p:timing>
-    <p:tnLst>
-      <p:par>
-        <p:cTn id="1" dur="indefinite" restart="never" nodeType="tmRoot"/>
-      </p:par>
-    </p:tnLst>
-  </p:timing>
 </p:sld>
 </file>
 
@@ -7762,11 +7646,11 @@
           <a:lstStyle/>
           <a:p>
             <a:r>
-              <a:rPr lang="en-US" altLang="zh-CN" smtClean="0"/>
+              <a:rPr lang="en-US" altLang="zh-CN"/>
               <a:t>Java</a:t>
             </a:r>
             <a:r>
-              <a:rPr lang="zh-CN" altLang="en-US" smtClean="0"/>
+              <a:rPr lang="zh-CN" altLang="en-US"/>
               <a:t>反射机制的应用</a:t>
             </a:r>
           </a:p>
@@ -7787,92 +7671,124 @@
           <a:bodyPr/>
           <a:lstStyle/>
           <a:p>
-            <a:r>
-              <a:rPr lang="zh-CN" altLang="en-US" dirty="0" smtClean="0"/>
+            <a:pPr>
+              <a:lnSpc>
+                <a:spcPct val="150000"/>
+              </a:lnSpc>
+            </a:pPr>
+            <a:r>
+              <a:rPr lang="zh-CN" altLang="en-US" dirty="0"/>
               <a:t>操作数据库</a:t>
             </a:r>
-            <a:endParaRPr lang="en-US" altLang="zh-CN" dirty="0" smtClean="0"/>
-          </a:p>
-          <a:p>
-            <a:pPr lvl="1"/>
-            <a:r>
-              <a:rPr lang="zh-CN" altLang="en-US" dirty="0" smtClean="0"/>
+            <a:endParaRPr lang="en-US" altLang="zh-CN" dirty="0"/>
+          </a:p>
+          <a:p>
+            <a:pPr lvl="1">
+              <a:lnSpc>
+                <a:spcPct val="150000"/>
+              </a:lnSpc>
+            </a:pPr>
+            <a:r>
+              <a:rPr lang="zh-CN" altLang="en-US" dirty="0"/>
               <a:t>动态创建</a:t>
             </a:r>
             <a:r>
-              <a:rPr lang="en-US" altLang="zh-CN" dirty="0" smtClean="0"/>
+              <a:rPr lang="en-US" altLang="zh-CN" dirty="0"/>
               <a:t>SQL</a:t>
             </a:r>
             <a:r>
-              <a:rPr lang="zh-CN" altLang="en-US" dirty="0" smtClean="0"/>
+              <a:rPr lang="zh-CN" altLang="en-US" dirty="0"/>
               <a:t>语句</a:t>
             </a:r>
-            <a:endParaRPr lang="en-US" altLang="zh-CN" dirty="0" smtClean="0"/>
-          </a:p>
-          <a:p>
-            <a:r>
-              <a:rPr lang="zh-CN" altLang="en-US" dirty="0" smtClean="0"/>
+            <a:endParaRPr lang="en-US" altLang="zh-CN" dirty="0"/>
+          </a:p>
+          <a:p>
+            <a:pPr>
+              <a:lnSpc>
+                <a:spcPct val="150000"/>
+              </a:lnSpc>
+            </a:pPr>
+            <a:r>
+              <a:rPr lang="zh-CN" altLang="en-US" dirty="0"/>
               <a:t>解析</a:t>
             </a:r>
             <a:r>
-              <a:rPr lang="en-US" altLang="zh-CN" dirty="0" smtClean="0"/>
+              <a:rPr lang="en-US" altLang="zh-CN" dirty="0"/>
               <a:t>XML</a:t>
             </a:r>
           </a:p>
           <a:p>
-            <a:pPr lvl="1"/>
-            <a:r>
-              <a:rPr lang="zh-CN" altLang="en-US" dirty="0" smtClean="0"/>
+            <a:pPr lvl="1">
+              <a:lnSpc>
+                <a:spcPct val="150000"/>
+              </a:lnSpc>
+            </a:pPr>
+            <a:r>
+              <a:rPr lang="zh-CN" altLang="en-US" dirty="0"/>
               <a:t>解析</a:t>
             </a:r>
             <a:r>
-              <a:rPr lang="en-US" altLang="zh-CN" dirty="0" smtClean="0"/>
+              <a:rPr lang="en-US" altLang="zh-CN" dirty="0"/>
               <a:t>XML</a:t>
             </a:r>
             <a:r>
-              <a:rPr lang="zh-CN" altLang="en-US" dirty="0" smtClean="0"/>
+              <a:rPr lang="zh-CN" altLang="en-US" dirty="0"/>
               <a:t>动态生成对象</a:t>
             </a:r>
-            <a:endParaRPr lang="en-US" altLang="zh-CN" dirty="0" smtClean="0"/>
-          </a:p>
-          <a:p>
-            <a:r>
-              <a:rPr lang="zh-CN" altLang="en-US" dirty="0" smtClean="0"/>
+            <a:endParaRPr lang="en-US" altLang="zh-CN" dirty="0"/>
+          </a:p>
+          <a:p>
+            <a:pPr>
+              <a:lnSpc>
+                <a:spcPct val="150000"/>
+              </a:lnSpc>
+            </a:pPr>
+            <a:r>
+              <a:rPr lang="zh-CN" altLang="en-US" dirty="0"/>
               <a:t>动态代理</a:t>
             </a:r>
-            <a:endParaRPr lang="en-US" altLang="zh-CN" dirty="0" smtClean="0"/>
-          </a:p>
-          <a:p>
-            <a:r>
-              <a:rPr lang="zh-CN" altLang="en-US" dirty="0" smtClean="0"/>
+            <a:endParaRPr lang="en-US" altLang="zh-CN" dirty="0"/>
+          </a:p>
+          <a:p>
+            <a:pPr>
+              <a:lnSpc>
+                <a:spcPct val="150000"/>
+              </a:lnSpc>
+            </a:pPr>
+            <a:r>
+              <a:rPr lang="zh-CN" altLang="en-US" dirty="0"/>
               <a:t>其它的框架中使用</a:t>
             </a:r>
-            <a:endParaRPr lang="en-US" altLang="zh-CN" dirty="0" smtClean="0"/>
-          </a:p>
-          <a:p>
-            <a:pPr lvl="1"/>
-            <a:r>
-              <a:rPr lang="en-US" altLang="zh-CN" dirty="0" smtClean="0"/>
+            <a:endParaRPr lang="en-US" altLang="zh-CN" dirty="0"/>
+          </a:p>
+          <a:p>
+            <a:pPr lvl="1">
+              <a:lnSpc>
+                <a:spcPct val="150000"/>
+              </a:lnSpc>
+            </a:pPr>
+            <a:r>
+              <a:rPr lang="en-US" altLang="zh-CN" dirty="0"/>
               <a:t>Struts</a:t>
             </a:r>
             <a:r>
-              <a:rPr lang="zh-CN" altLang="en-US" dirty="0" smtClean="0"/>
+              <a:rPr lang="zh-CN" altLang="en-US" dirty="0"/>
               <a:t>框架、</a:t>
             </a:r>
             <a:r>
-              <a:rPr lang="en-US" altLang="zh-CN" dirty="0" smtClean="0"/>
+              <a:rPr lang="en-US" altLang="zh-CN" dirty="0"/>
               <a:t>Spring</a:t>
             </a:r>
             <a:r>
-              <a:rPr lang="zh-CN" altLang="en-US" dirty="0" smtClean="0"/>
+              <a:rPr lang="zh-CN" altLang="en-US" dirty="0"/>
               <a:t>框架、</a:t>
             </a:r>
             <a:r>
-              <a:rPr lang="en-US" altLang="zh-CN" dirty="0" smtClean="0"/>
+              <a:rPr lang="en-US" altLang="zh-CN" dirty="0"/>
               <a:t>Hibernate</a:t>
             </a:r>
             <a:r>
-              <a:rPr lang="zh-CN" altLang="en-US" dirty="0" smtClean="0"/>
+              <a:rPr lang="zh-CN" altLang="en-US" dirty="0"/>
               <a:t>框架</a:t>
             </a:r>
           </a:p>
@@ -7888,13 +7804,6 @@
   <p:clrMapOvr>
     <a:masterClrMapping/>
   </p:clrMapOvr>
-  <p:timing>
-    <p:tnLst>
-      <p:par>
-        <p:cTn id="1" dur="indefinite" restart="never" nodeType="tmRoot"/>
-      </p:par>
-    </p:tnLst>
-  </p:timing>
 </p:sld>
 </file>
 
@@ -7931,11 +7840,11 @@
           <a:lstStyle/>
           <a:p>
             <a:r>
-              <a:rPr lang="en-US" altLang="zh-CN" smtClean="0"/>
+              <a:rPr lang="en-US" altLang="zh-CN"/>
               <a:t>Java</a:t>
             </a:r>
             <a:r>
-              <a:rPr lang="zh-CN" altLang="en-US" smtClean="0"/>
+              <a:rPr lang="zh-CN" altLang="en-US"/>
               <a:t>反射机制的缺点</a:t>
             </a:r>
           </a:p>
@@ -7956,24 +7865,33 @@
           <a:bodyPr/>
           <a:lstStyle/>
           <a:p>
-            <a:r>
-              <a:rPr lang="zh-CN" altLang="en-US" smtClean="0"/>
+            <a:pPr>
+              <a:lnSpc>
+                <a:spcPct val="150000"/>
+              </a:lnSpc>
+            </a:pPr>
+            <a:r>
+              <a:rPr lang="zh-CN" altLang="en-US" dirty="0"/>
               <a:t>主要的缺点是对性能有影响</a:t>
             </a:r>
-            <a:endParaRPr lang="en-US" altLang="zh-CN" smtClean="0"/>
-          </a:p>
-          <a:p>
-            <a:pPr lvl="1"/>
-            <a:r>
-              <a:rPr lang="zh-CN" altLang="en-US" smtClean="0"/>
+            <a:endParaRPr lang="en-US" altLang="zh-CN" dirty="0"/>
+          </a:p>
+          <a:p>
+            <a:pPr lvl="1">
+              <a:lnSpc>
+                <a:spcPct val="150000"/>
+              </a:lnSpc>
+            </a:pPr>
+            <a:r>
+              <a:rPr lang="zh-CN" altLang="en-US" dirty="0"/>
               <a:t>使用反射基本上是一种解释操作，您可以告诉</a:t>
             </a:r>
             <a:r>
-              <a:rPr lang="en-US" altLang="zh-CN" smtClean="0"/>
+              <a:rPr lang="en-US" altLang="zh-CN" dirty="0"/>
               <a:t>JVM</a:t>
             </a:r>
             <a:r>
-              <a:rPr lang="zh-CN" altLang="en-US" smtClean="0"/>
+              <a:rPr lang="zh-CN" altLang="en-US" dirty="0"/>
               <a:t>您希望做什么并且它满足您的要求。这类操作总是慢于直接执行相同的操作</a:t>
             </a:r>
           </a:p>
@@ -7989,13 +7907,6 @@
   <p:clrMapOvr>
     <a:masterClrMapping/>
   </p:clrMapOvr>
-  <p:timing>
-    <p:tnLst>
-      <p:par>
-        <p:cTn id="1" dur="indefinite" restart="never" nodeType="tmRoot"/>
-      </p:par>
-    </p:tnLst>
-  </p:timing>
 </p:sld>
 </file>
 
@@ -8032,11 +7943,11 @@
           <a:lstStyle/>
           <a:p>
             <a:r>
-              <a:rPr lang="zh-CN" altLang="en-US" smtClean="0"/>
+              <a:rPr lang="zh-CN" altLang="en-US"/>
               <a:t>总结</a:t>
             </a:r>
             <a:r>
-              <a:rPr lang="zh-CN" altLang="en-US" smtClean="0">
+              <a:rPr lang="zh-CN" altLang="en-US">
                 <a:sym typeface="Arial" pitchFamily="34" charset="0"/>
               </a:rPr>
               <a:t>　　　　　　　</a:t>
@@ -8062,44 +7973,67 @@
           <a:bodyPr/>
           <a:lstStyle/>
           <a:p>
-            <a:r>
-              <a:rPr lang="en-US" altLang="zh-CN"/>
+            <a:pPr>
+              <a:lnSpc>
+                <a:spcPct val="150000"/>
+              </a:lnSpc>
+            </a:pPr>
+            <a:r>
+              <a:rPr lang="en-US" altLang="zh-CN" dirty="0"/>
               <a:t>Java</a:t>
             </a:r>
             <a:r>
-              <a:rPr lang="zh-CN" altLang="en-US"/>
+              <a:rPr lang="zh-CN" altLang="en-US" dirty="0"/>
               <a:t>反射机制的基本原理</a:t>
             </a:r>
-            <a:endParaRPr lang="en-US" altLang="zh-CN"/>
-          </a:p>
-          <a:p>
-            <a:pPr lvl="1"/>
-            <a:r>
-              <a:rPr lang="zh-CN" altLang="en-US"/>
+            <a:endParaRPr lang="en-US" altLang="zh-CN" dirty="0"/>
+          </a:p>
+          <a:p>
+            <a:pPr lvl="1">
+              <a:lnSpc>
+                <a:spcPct val="150000"/>
+              </a:lnSpc>
+            </a:pPr>
+            <a:r>
+              <a:rPr lang="zh-CN" altLang="en-US" dirty="0"/>
               <a:t>反射的概念</a:t>
             </a:r>
-            <a:endParaRPr lang="en-US" altLang="zh-CN"/>
-          </a:p>
-          <a:p>
-            <a:pPr lvl="1"/>
-            <a:r>
-              <a:rPr lang="zh-CN" altLang="en-US"/>
+            <a:endParaRPr lang="en-US" altLang="zh-CN" dirty="0"/>
+          </a:p>
+          <a:p>
+            <a:pPr lvl="1">
+              <a:lnSpc>
+                <a:spcPct val="150000"/>
+              </a:lnSpc>
+            </a:pPr>
+            <a:r>
+              <a:rPr lang="zh-CN" altLang="en-US" dirty="0"/>
               <a:t>反射的相关类及应用</a:t>
             </a:r>
-            <a:endParaRPr lang="en-US" altLang="zh-CN" sz="2400"/>
-          </a:p>
-          <a:p>
-            <a:r>
-              <a:rPr lang="en-US" altLang="zh-CN"/>
+            <a:endParaRPr lang="en-US" altLang="zh-CN" sz="2400" dirty="0"/>
+          </a:p>
+          <a:p>
+            <a:pPr>
+              <a:lnSpc>
+                <a:spcPct val="150000"/>
+              </a:lnSpc>
+            </a:pPr>
+            <a:r>
+              <a:rPr lang="en-US" altLang="zh-CN" dirty="0"/>
               <a:t>Java</a:t>
             </a:r>
             <a:r>
-              <a:rPr lang="zh-CN" altLang="en-US"/>
+              <a:rPr lang="zh-CN" altLang="en-US" dirty="0"/>
               <a:t>反射机制的基本应用</a:t>
             </a:r>
           </a:p>
           <a:p>
-            <a:endParaRPr lang="zh-CN" altLang="en-US"/>
+            <a:pPr>
+              <a:lnSpc>
+                <a:spcPct val="150000"/>
+              </a:lnSpc>
+            </a:pPr>
+            <a:endParaRPr lang="zh-CN" altLang="en-US" dirty="0"/>
           </a:p>
         </p:txBody>
       </p:sp>
@@ -8113,13 +8047,6 @@
   <p:clrMapOvr>
     <a:masterClrMapping/>
   </p:clrMapOvr>
-  <p:timing>
-    <p:tnLst>
-      <p:par>
-        <p:cTn id="1" dur="indefinite" restart="never" nodeType="tmRoot"/>
-      </p:par>
-    </p:tnLst>
-  </p:timing>
 </p:sld>
 </file>
 
@@ -8156,7 +8083,7 @@
           <a:lstStyle/>
           <a:p>
             <a:r>
-              <a:rPr lang="zh-CN" altLang="en-US" smtClean="0">
+              <a:rPr lang="zh-CN" altLang="en-US">
                 <a:sym typeface="Arial" pitchFamily="34" charset="0"/>
               </a:rPr>
               <a:t>课后阅读　　　　　　　</a:t>
@@ -8182,14 +8109,24 @@
           <a:bodyPr/>
           <a:lstStyle/>
           <a:p>
-            <a:r>
-              <a:rPr lang="zh-CN" altLang="en-US"/>
+            <a:pPr>
+              <a:lnSpc>
+                <a:spcPct val="150000"/>
+              </a:lnSpc>
+            </a:pPr>
+            <a:r>
+              <a:rPr lang="zh-CN" altLang="en-US" dirty="0"/>
               <a:t>动态代理</a:t>
             </a:r>
-            <a:endParaRPr lang="en-US" altLang="zh-CN"/>
-          </a:p>
-          <a:p>
-            <a:endParaRPr lang="zh-CN" altLang="en-US"/>
+            <a:endParaRPr lang="en-US" altLang="zh-CN" dirty="0"/>
+          </a:p>
+          <a:p>
+            <a:pPr>
+              <a:lnSpc>
+                <a:spcPct val="150000"/>
+              </a:lnSpc>
+            </a:pPr>
+            <a:endParaRPr lang="zh-CN" altLang="en-US" dirty="0"/>
           </a:p>
         </p:txBody>
       </p:sp>
@@ -8203,13 +8140,6 @@
   <p:clrMapOvr>
     <a:masterClrMapping/>
   </p:clrMapOvr>
-  <p:timing>
-    <p:tnLst>
-      <p:par>
-        <p:cTn id="1" dur="indefinite" restart="never" nodeType="tmRoot"/>
-      </p:par>
-    </p:tnLst>
-  </p:timing>
 </p:sld>
 </file>
 
@@ -8242,7 +8172,7 @@
         </p:nvSpPr>
         <p:spPr>
           <a:xfrm>
-            <a:off x="899592" y="3140968"/>
+            <a:off x="2423593" y="3140968"/>
             <a:ext cx="7362825" cy="582612"/>
           </a:xfrm>
           <a:prstGeom prst="rect">
@@ -8255,14 +8185,14 @@
           <a:p>
             <a:pPr algn="ctr" eaLnBrk="1" hangingPunct="1"/>
             <a:r>
-              <a:rPr lang="en-US" altLang="zh-CN" sz="5400" b="1" dirty="0" smtClean="0">
+              <a:rPr lang="en-US" altLang="zh-CN" sz="5400" b="1" dirty="0">
                 <a:solidFill>
                   <a:srgbClr val="C00000"/>
                 </a:solidFill>
               </a:rPr>
               <a:t>Thank You</a:t>
             </a:r>
-            <a:endParaRPr lang="zh-CN" altLang="zh-CN" sz="5400" b="1" dirty="0" smtClean="0">
+            <a:endParaRPr lang="zh-CN" altLang="zh-CN" sz="5400" b="1" dirty="0">
               <a:solidFill>
                 <a:srgbClr val="C00000"/>
               </a:solidFill>
@@ -8451,7 +8381,7 @@
           <a:lstStyle/>
           <a:p>
             <a:r>
-              <a:rPr lang="zh-CN" altLang="en-US" smtClean="0"/>
+              <a:rPr lang="zh-CN" altLang="en-US"/>
               <a:t>准备知识</a:t>
             </a:r>
             <a:endParaRPr lang="zh-CN" altLang="en-US" dirty="0"/>
@@ -8473,108 +8403,123 @@
           <a:bodyPr/>
           <a:lstStyle/>
           <a:p>
-            <a:r>
-              <a:rPr lang="zh-CN" altLang="en-US" dirty="0" smtClean="0"/>
+            <a:pPr>
+              <a:lnSpc>
+                <a:spcPct val="150000"/>
+              </a:lnSpc>
+            </a:pPr>
+            <a:r>
+              <a:rPr lang="zh-CN" altLang="en-US" dirty="0"/>
               <a:t>什么是动态编程语言？</a:t>
             </a:r>
-            <a:endParaRPr lang="en-US" altLang="zh-CN" dirty="0" smtClean="0"/>
-          </a:p>
-          <a:p>
-            <a:r>
-              <a:rPr lang="zh-CN" altLang="en-US" dirty="0" smtClean="0"/>
-              <a:t>答：程序运行时，允许改变程序结构或变量</a:t>
-            </a:r>
-            <a:r>
-              <a:rPr lang="zh-CN" altLang="en-US" dirty="0" smtClean="0"/>
-              <a:t>类型</a:t>
-            </a:r>
-            <a:r>
-              <a:rPr lang="en-US" altLang="zh-CN" dirty="0" smtClean="0"/>
+            <a:endParaRPr lang="en-US" altLang="zh-CN" dirty="0"/>
+          </a:p>
+          <a:p>
+            <a:pPr>
+              <a:lnSpc>
+                <a:spcPct val="150000"/>
+              </a:lnSpc>
+            </a:pPr>
+            <a:r>
+              <a:rPr lang="zh-CN" altLang="en-US" dirty="0"/>
+              <a:t>答：程序运行时，允许改变程序结构或变量类型</a:t>
+            </a:r>
+            <a:r>
+              <a:rPr lang="en-US" altLang="zh-CN" dirty="0"/>
               <a:t>——</a:t>
             </a:r>
             <a:r>
-              <a:rPr lang="zh-CN" altLang="en-US" dirty="0" smtClean="0"/>
-              <a:t>这种</a:t>
-            </a:r>
-            <a:r>
-              <a:rPr lang="zh-CN" altLang="en-US" dirty="0" smtClean="0"/>
-              <a:t>语言称为动态语言</a:t>
-            </a:r>
-            <a:endParaRPr lang="en-US" altLang="zh-CN" dirty="0" smtClean="0"/>
-          </a:p>
-          <a:p>
-            <a:pPr lvl="1"/>
-            <a:r>
-              <a:rPr lang="zh-CN" altLang="en-US" dirty="0" smtClean="0"/>
+              <a:rPr lang="zh-CN" altLang="en-US" dirty="0"/>
+              <a:t>这种语言称为动态语言</a:t>
+            </a:r>
+            <a:endParaRPr lang="en-US" altLang="zh-CN" dirty="0"/>
+          </a:p>
+          <a:p>
+            <a:pPr lvl="1">
+              <a:lnSpc>
+                <a:spcPct val="150000"/>
+              </a:lnSpc>
+            </a:pPr>
+            <a:r>
+              <a:rPr lang="zh-CN" altLang="en-US" dirty="0"/>
               <a:t>从这个观点看，</a:t>
             </a:r>
             <a:r>
-              <a:rPr lang="en-US" altLang="zh-CN" dirty="0" smtClean="0"/>
+              <a:rPr lang="en-US" altLang="zh-CN" dirty="0"/>
               <a:t>Perl</a:t>
             </a:r>
             <a:r>
-              <a:rPr lang="zh-CN" altLang="en-US" dirty="0" smtClean="0"/>
+              <a:rPr lang="zh-CN" altLang="en-US" dirty="0"/>
               <a:t>，</a:t>
             </a:r>
             <a:r>
-              <a:rPr lang="en-US" altLang="zh-CN" dirty="0" smtClean="0"/>
+              <a:rPr lang="en-US" altLang="zh-CN" dirty="0"/>
               <a:t>Python</a:t>
             </a:r>
             <a:r>
-              <a:rPr lang="zh-CN" altLang="en-US" dirty="0" smtClean="0"/>
+              <a:rPr lang="zh-CN" altLang="en-US" dirty="0"/>
               <a:t>，</a:t>
             </a:r>
             <a:r>
-              <a:rPr lang="en-US" altLang="zh-CN" dirty="0" smtClean="0"/>
+              <a:rPr lang="en-US" altLang="zh-CN" dirty="0"/>
               <a:t>Ruby</a:t>
             </a:r>
             <a:r>
-              <a:rPr lang="zh-CN" altLang="en-US" dirty="0" smtClean="0"/>
+              <a:rPr lang="zh-CN" altLang="en-US" dirty="0"/>
               <a:t>是动态语言，</a:t>
             </a:r>
             <a:r>
-              <a:rPr lang="en-US" altLang="zh-CN" dirty="0" smtClean="0"/>
+              <a:rPr lang="en-US" altLang="zh-CN" dirty="0"/>
               <a:t>C++</a:t>
             </a:r>
             <a:r>
-              <a:rPr lang="zh-CN" altLang="en-US" dirty="0" smtClean="0"/>
+              <a:rPr lang="zh-CN" altLang="en-US" dirty="0"/>
               <a:t>，</a:t>
             </a:r>
             <a:r>
-              <a:rPr lang="en-US" altLang="zh-CN" dirty="0" smtClean="0"/>
+              <a:rPr lang="en-US" altLang="zh-CN" dirty="0"/>
               <a:t>Java</a:t>
             </a:r>
             <a:r>
-              <a:rPr lang="zh-CN" altLang="en-US" dirty="0" smtClean="0"/>
+              <a:rPr lang="zh-CN" altLang="en-US" dirty="0"/>
               <a:t>，</a:t>
             </a:r>
             <a:r>
-              <a:rPr lang="en-US" altLang="zh-CN" dirty="0" smtClean="0"/>
+              <a:rPr lang="en-US" altLang="zh-CN" dirty="0"/>
               <a:t>C#</a:t>
             </a:r>
             <a:r>
-              <a:rPr lang="zh-CN" altLang="en-US" dirty="0" smtClean="0"/>
+              <a:rPr lang="zh-CN" altLang="en-US" dirty="0"/>
               <a:t>不是动态语言</a:t>
             </a:r>
-            <a:endParaRPr lang="en-US" altLang="zh-CN" dirty="0" smtClean="0"/>
-          </a:p>
-          <a:p>
-            <a:pPr lvl="1"/>
-            <a:r>
-              <a:rPr lang="en-US" altLang="zh-CN" dirty="0" smtClean="0"/>
+            <a:endParaRPr lang="en-US" altLang="zh-CN" dirty="0"/>
+          </a:p>
+          <a:p>
+            <a:pPr lvl="1">
+              <a:lnSpc>
+                <a:spcPct val="150000"/>
+              </a:lnSpc>
+            </a:pPr>
+            <a:r>
+              <a:rPr lang="en-US" altLang="zh-CN" dirty="0"/>
               <a:t>Java</a:t>
             </a:r>
             <a:r>
-              <a:rPr lang="zh-CN" altLang="en-US" dirty="0" smtClean="0"/>
+              <a:rPr lang="zh-CN" altLang="en-US" dirty="0"/>
               <a:t>有着一个非常突出的动态相关机制：</a:t>
             </a:r>
             <a:r>
-              <a:rPr lang="en-US" altLang="zh-CN" dirty="0" smtClean="0"/>
+              <a:rPr lang="en-US" altLang="zh-CN" dirty="0"/>
               <a:t>Reflection</a:t>
             </a:r>
-            <a:endParaRPr lang="zh-CN" altLang="en-US" dirty="0" smtClean="0"/>
-          </a:p>
-          <a:p>
+            <a:endParaRPr lang="zh-CN" altLang="en-US" dirty="0"/>
+          </a:p>
+          <a:p>
+            <a:pPr>
+              <a:lnSpc>
+                <a:spcPct val="150000"/>
+              </a:lnSpc>
+            </a:pPr>
             <a:endParaRPr lang="zh-CN" altLang="en-US" dirty="0"/>
           </a:p>
         </p:txBody>
@@ -8589,13 +8534,6 @@
   <p:clrMapOvr>
     <a:masterClrMapping/>
   </p:clrMapOvr>
-  <p:timing>
-    <p:tnLst>
-      <p:par>
-        <p:cTn id="1" dur="indefinite" restart="never" nodeType="tmRoot"/>
-      </p:par>
-    </p:tnLst>
-  </p:timing>
 </p:sld>
 </file>
 
@@ -8631,11 +8569,11 @@
           <a:bodyPr/>
           <a:lstStyle/>
           <a:p>
-            <a:r>
-              <a:rPr lang="zh-CN" altLang="en-US" smtClean="0"/>
+            <a:pPr algn="ctr"/>
+            <a:r>
+              <a:rPr lang="zh-CN" altLang="en-US" dirty="0"/>
               <a:t>讲授思路　　　　　　　　　</a:t>
             </a:r>
-            <a:endParaRPr lang="zh-CN" altLang="en-US" dirty="0"/>
           </a:p>
         </p:txBody>
       </p:sp>
@@ -8649,32 +8587,57 @@
             <p:ph idx="1"/>
           </p:nvPr>
         </p:nvSpPr>
-        <p:spPr/>
+        <p:spPr>
+          <a:xfrm>
+            <a:off x="4079776" y="1160749"/>
+            <a:ext cx="4536504" cy="4965415"/>
+          </a:xfrm>
+        </p:spPr>
         <p:txBody>
           <a:bodyPr/>
           <a:lstStyle/>
           <a:p>
-            <a:r>
-              <a:rPr lang="zh-CN" altLang="en-US" smtClean="0"/>
+            <a:pPr>
+              <a:lnSpc>
+                <a:spcPct val="150000"/>
+              </a:lnSpc>
+            </a:pPr>
+            <a:r>
+              <a:rPr lang="zh-CN" altLang="en-US" dirty="0"/>
               <a:t>反射机制的概念以及原理</a:t>
             </a:r>
-            <a:endParaRPr lang="en-US" altLang="zh-CN" smtClean="0"/>
-          </a:p>
-          <a:p>
-            <a:r>
-              <a:rPr lang="zh-CN" altLang="en-US" smtClean="0"/>
+            <a:endParaRPr lang="en-US" altLang="zh-CN" dirty="0"/>
+          </a:p>
+          <a:p>
+            <a:pPr>
+              <a:lnSpc>
+                <a:spcPct val="150000"/>
+              </a:lnSpc>
+            </a:pPr>
+            <a:r>
+              <a:rPr lang="zh-CN" altLang="en-US" dirty="0"/>
               <a:t>反射机制的具体实现</a:t>
             </a:r>
-            <a:endParaRPr lang="en-US" altLang="zh-CN" smtClean="0"/>
-          </a:p>
-          <a:p>
-            <a:r>
-              <a:rPr lang="zh-CN" altLang="en-US" smtClean="0"/>
+            <a:endParaRPr lang="en-US" altLang="zh-CN" dirty="0"/>
+          </a:p>
+          <a:p>
+            <a:pPr>
+              <a:lnSpc>
+                <a:spcPct val="150000"/>
+              </a:lnSpc>
+            </a:pPr>
+            <a:r>
+              <a:rPr lang="zh-CN" altLang="en-US" dirty="0"/>
               <a:t>反射机制的应用</a:t>
             </a:r>
-            <a:endParaRPr lang="en-US" altLang="zh-CN" smtClean="0"/>
-          </a:p>
-          <a:p>
+            <a:endParaRPr lang="en-US" altLang="zh-CN" dirty="0"/>
+          </a:p>
+          <a:p>
+            <a:pPr>
+              <a:lnSpc>
+                <a:spcPct val="150000"/>
+              </a:lnSpc>
+            </a:pPr>
             <a:endParaRPr lang="zh-CN" altLang="en-US" dirty="0"/>
           </a:p>
         </p:txBody>
@@ -8689,13 +8652,6 @@
   <p:clrMapOvr>
     <a:masterClrMapping/>
   </p:clrMapOvr>
-  <p:timing>
-    <p:tnLst>
-      <p:par>
-        <p:cTn id="1" dur="indefinite" restart="never" nodeType="tmRoot"/>
-      </p:par>
-    </p:tnLst>
-  </p:timing>
 </p:sld>
 </file>
 
@@ -8732,11 +8688,11 @@
           <a:lstStyle/>
           <a:p>
             <a:r>
-              <a:rPr lang="en-US" altLang="zh-CN" smtClean="0"/>
+              <a:rPr lang="en-US" altLang="zh-CN"/>
               <a:t>Java</a:t>
             </a:r>
             <a:r>
-              <a:rPr lang="zh-CN" altLang="en-US" smtClean="0"/>
+              <a:rPr lang="zh-CN" altLang="en-US"/>
               <a:t>反射的概念</a:t>
             </a:r>
           </a:p>
@@ -8757,27 +8713,32 @@
           <a:bodyPr/>
           <a:lstStyle/>
           <a:p>
-            <a:r>
-              <a:rPr lang="zh-CN" altLang="en-US" smtClean="0"/>
+            <a:pPr>
+              <a:lnSpc>
+                <a:spcPct val="150000"/>
+              </a:lnSpc>
+            </a:pPr>
+            <a:r>
+              <a:rPr lang="zh-CN" altLang="en-US" dirty="0"/>
               <a:t>在</a:t>
             </a:r>
             <a:r>
-              <a:rPr lang="en-US" altLang="zh-CN" smtClean="0"/>
+              <a:rPr lang="en-US" altLang="zh-CN" dirty="0"/>
               <a:t>1982</a:t>
             </a:r>
             <a:r>
-              <a:rPr lang="zh-CN" altLang="en-US" smtClean="0"/>
+              <a:rPr lang="zh-CN" altLang="en-US" dirty="0"/>
               <a:t>年由</a:t>
             </a:r>
             <a:r>
-              <a:rPr lang="en-US" altLang="zh-CN" smtClean="0"/>
+              <a:rPr lang="en-US" altLang="zh-CN" dirty="0"/>
               <a:t>Smith</a:t>
             </a:r>
             <a:r>
-              <a:rPr lang="zh-CN" altLang="en-US" smtClean="0"/>
+              <a:rPr lang="zh-CN" altLang="en-US" dirty="0"/>
               <a:t>正式提出了反射的概念</a:t>
             </a:r>
-            <a:endParaRPr lang="en-US" altLang="zh-CN" smtClean="0"/>
+            <a:endParaRPr lang="en-US" altLang="zh-CN" dirty="0"/>
           </a:p>
         </p:txBody>
       </p:sp>
@@ -8789,7 +8750,7 @@
         </p:nvSpPr>
         <p:spPr>
           <a:xfrm>
-            <a:off x="304800" y="2133600"/>
+            <a:off x="1828800" y="2133600"/>
             <a:ext cx="8610600" cy="4343400"/>
           </a:xfrm>
           <a:prstGeom prst="horizontalScroll">
@@ -8895,13 +8856,6 @@
   <p:clrMapOvr>
     <a:masterClrMapping/>
   </p:clrMapOvr>
-  <p:timing>
-    <p:tnLst>
-      <p:par>
-        <p:cTn id="1" dur="indefinite" restart="never" nodeType="tmRoot"/>
-      </p:par>
-    </p:tnLst>
-  </p:timing>
 </p:sld>
 </file>
 
@@ -8938,11 +8892,11 @@
           <a:lstStyle/>
           <a:p>
             <a:r>
-              <a:rPr lang="en-US" altLang="zh-CN" smtClean="0"/>
+              <a:rPr lang="en-US" altLang="zh-CN"/>
               <a:t>Java</a:t>
             </a:r>
             <a:r>
-              <a:rPr lang="zh-CN" altLang="en-US" smtClean="0"/>
+              <a:rPr lang="zh-CN" altLang="en-US"/>
               <a:t>反射功能</a:t>
             </a:r>
           </a:p>
@@ -8963,12 +8917,17 @@
           <a:bodyPr/>
           <a:lstStyle/>
           <a:p>
-            <a:r>
-              <a:rPr lang="en-US" altLang="zh-CN" smtClean="0"/>
+            <a:pPr>
+              <a:lnSpc>
+                <a:spcPct val="150000"/>
+              </a:lnSpc>
+            </a:pPr>
+            <a:r>
+              <a:rPr lang="en-US" altLang="zh-CN" dirty="0"/>
               <a:t>Java</a:t>
             </a:r>
             <a:r>
-              <a:rPr lang="zh-CN" altLang="en-US" smtClean="0"/>
+              <a:rPr lang="zh-CN" altLang="en-US" dirty="0"/>
               <a:t>反射提供以下功能</a:t>
             </a:r>
           </a:p>
@@ -8978,11 +8937,17 @@
         <p:nvGraphicFramePr>
           <p:cNvPr id="5" name="图示 4"/>
           <p:cNvGraphicFramePr/>
-          <p:nvPr/>
+          <p:nvPr>
+            <p:extLst>
+              <p:ext uri="{D42A27DB-BD31-4B8C-83A1-F6EECF244321}">
+                <p14:modId xmlns:p14="http://schemas.microsoft.com/office/powerpoint/2010/main" val="3346286234"/>
+              </p:ext>
+            </p:extLst>
+          </p:nvPr>
         </p:nvGraphicFramePr>
         <p:xfrm>
-          <a:off x="609600" y="2260600"/>
-          <a:ext cx="7848600" cy="4064000"/>
+          <a:off x="1559496" y="1916832"/>
+          <a:ext cx="8422704" cy="4407768"/>
         </p:xfrm>
         <a:graphic>
           <a:graphicData uri="http://schemas.openxmlformats.org/drawingml/2006/diagram">
@@ -9000,13 +8965,6 @@
   <p:clrMapOvr>
     <a:masterClrMapping/>
   </p:clrMapOvr>
-  <p:timing>
-    <p:tnLst>
-      <p:par>
-        <p:cTn id="1" dur="indefinite" restart="never" nodeType="tmRoot"/>
-      </p:par>
-    </p:tnLst>
-  </p:timing>
 </p:sld>
 </file>
 
@@ -9043,11 +9001,11 @@
           <a:lstStyle/>
           <a:p>
             <a:r>
-              <a:rPr lang="en-US" altLang="zh-CN" smtClean="0"/>
+              <a:rPr lang="en-US" altLang="zh-CN"/>
               <a:t>Java</a:t>
             </a:r>
             <a:r>
-              <a:rPr lang="zh-CN" altLang="en-US" smtClean="0"/>
+              <a:rPr lang="zh-CN" altLang="en-US"/>
               <a:t>反射机制的原理</a:t>
             </a:r>
           </a:p>
@@ -9069,11 +9027,11 @@
           <a:lstStyle/>
           <a:p>
             <a:r>
-              <a:rPr lang="en-US" altLang="zh-CN" smtClean="0"/>
+              <a:rPr lang="en-US" altLang="zh-CN"/>
               <a:t>Java</a:t>
             </a:r>
             <a:r>
-              <a:rPr lang="zh-CN" altLang="en-US" smtClean="0"/>
+              <a:rPr lang="zh-CN" altLang="en-US"/>
               <a:t>运行时的数据区</a:t>
             </a:r>
           </a:p>
@@ -9087,7 +9045,7 @@
         </p:nvSpPr>
         <p:spPr>
           <a:xfrm>
-            <a:off x="1828800" y="2514600"/>
+            <a:off x="3352800" y="2514600"/>
             <a:ext cx="3657600" cy="1905000"/>
           </a:xfrm>
           <a:prstGeom prst="rect">
@@ -9137,7 +9095,7 @@
         </p:nvCxnSpPr>
         <p:spPr>
           <a:xfrm>
-            <a:off x="2971800" y="2514600"/>
+            <a:off x="4495800" y="2514600"/>
             <a:ext cx="0" cy="1905000"/>
           </a:xfrm>
           <a:prstGeom prst="line">
@@ -9172,7 +9130,7 @@
         </p:nvCxnSpPr>
         <p:spPr>
           <a:xfrm>
-            <a:off x="4267200" y="2514600"/>
+            <a:off x="5791200" y="2514600"/>
             <a:ext cx="0" cy="1905000"/>
           </a:xfrm>
           <a:prstGeom prst="line">
@@ -9209,7 +9167,7 @@
         </p:nvSpPr>
         <p:spPr bwMode="auto">
           <a:xfrm>
-            <a:off x="1981200" y="3352800"/>
+            <a:off x="3505200" y="3352801"/>
             <a:ext cx="800100" cy="461963"/>
           </a:xfrm>
           <a:prstGeom prst="rect">
@@ -9374,7 +9332,7 @@
         </p:nvSpPr>
         <p:spPr bwMode="auto">
           <a:xfrm>
-            <a:off x="3200400" y="3352800"/>
+            <a:off x="4724400" y="3352801"/>
             <a:ext cx="800100" cy="461963"/>
           </a:xfrm>
           <a:prstGeom prst="rect">
@@ -9539,7 +9497,7 @@
         </p:nvSpPr>
         <p:spPr bwMode="auto">
           <a:xfrm>
-            <a:off x="4267200" y="3363913"/>
+            <a:off x="5791201" y="3363913"/>
             <a:ext cx="1108075" cy="461962"/>
           </a:xfrm>
           <a:prstGeom prst="rect">
@@ -9704,28 +9662,24 @@
         </p:nvSpPr>
         <p:spPr bwMode="auto">
           <a:xfrm>
-            <a:off x="3505200" y="5059363"/>
-            <a:ext cx="5029200" cy="1570037"/>
+            <a:off x="5029200" y="5059364"/>
+            <a:ext cx="6251376" cy="1570037"/>
           </a:xfrm>
           <a:prstGeom prst="rect">
             <a:avLst/>
           </a:prstGeom>
           <a:solidFill>
-            <a:schemeClr val="accent1">
-              <a:lumMod val="20000"/>
-              <a:lumOff val="80000"/>
+            <a:schemeClr val="accent2">
+              <a:lumMod val="40000"/>
+              <a:lumOff val="60000"/>
             </a:schemeClr>
           </a:solidFill>
           <a:ln>
-            <a:solidFill>
-              <a:schemeClr val="accent2">
-                <a:lumMod val="75000"/>
-              </a:schemeClr>
-            </a:solidFill>
+            <a:noFill/>
           </a:ln>
         </p:spPr>
         <p:txBody>
-          <a:bodyPr>
+          <a:bodyPr wrap="square">
             <a:spAutoFit/>
           </a:bodyPr>
           <a:lstStyle>
@@ -9902,7 +9856,7 @@
         </p:nvCxnSpPr>
         <p:spPr>
           <a:xfrm>
-            <a:off x="4953000" y="4267200"/>
+            <a:off x="6477001" y="4267200"/>
             <a:ext cx="885825" cy="762000"/>
           </a:xfrm>
           <a:prstGeom prst="straightConnector1">
@@ -9938,7 +9892,7 @@
         </p:nvSpPr>
         <p:spPr>
           <a:xfrm>
-            <a:off x="762000" y="5105400"/>
+            <a:off x="2286000" y="5105400"/>
             <a:ext cx="2590800" cy="914400"/>
           </a:xfrm>
           <a:prstGeom prst="ellipse">
@@ -10305,11 +10259,11 @@
           <a:lstStyle/>
           <a:p>
             <a:r>
-              <a:rPr lang="en-US" altLang="zh-CN" smtClean="0"/>
+              <a:rPr lang="en-US" altLang="zh-CN"/>
               <a:t>Java</a:t>
             </a:r>
             <a:r>
-              <a:rPr lang="zh-CN" altLang="en-US" smtClean="0"/>
+              <a:rPr lang="zh-CN" altLang="en-US"/>
               <a:t>反射机制中设计的类</a:t>
             </a:r>
           </a:p>
@@ -10330,55 +10284,75 @@
           <a:bodyPr/>
           <a:lstStyle/>
           <a:p>
-            <a:r>
-              <a:rPr lang="en-US" altLang="zh-CN" smtClean="0"/>
+            <a:pPr>
+              <a:lnSpc>
+                <a:spcPct val="150000"/>
+              </a:lnSpc>
+            </a:pPr>
+            <a:r>
+              <a:rPr lang="en-US" altLang="zh-CN" dirty="0"/>
               <a:t>Class</a:t>
             </a:r>
             <a:r>
-              <a:rPr lang="zh-CN" altLang="en-US" smtClean="0"/>
+              <a:rPr lang="zh-CN" altLang="en-US" dirty="0"/>
               <a:t>：类的实例表示正在运行的 </a:t>
             </a:r>
             <a:r>
-              <a:rPr lang="en-US" altLang="zh-CN" smtClean="0"/>
+              <a:rPr lang="en-US" altLang="zh-CN" dirty="0"/>
               <a:t>Java </a:t>
             </a:r>
             <a:r>
-              <a:rPr lang="zh-CN" altLang="en-US" smtClean="0"/>
+              <a:rPr lang="zh-CN" altLang="en-US" dirty="0"/>
               <a:t>应用程序中的类和接口</a:t>
             </a:r>
           </a:p>
           <a:p>
-            <a:r>
-              <a:rPr lang="en-US" altLang="zh-CN" smtClean="0"/>
+            <a:pPr>
+              <a:lnSpc>
+                <a:spcPct val="150000"/>
+              </a:lnSpc>
+            </a:pPr>
+            <a:r>
+              <a:rPr lang="en-US" altLang="zh-CN" dirty="0"/>
               <a:t>Field</a:t>
             </a:r>
             <a:r>
-              <a:rPr lang="zh-CN" altLang="en-US" smtClean="0"/>
+              <a:rPr lang="zh-CN" altLang="en-US" dirty="0"/>
               <a:t>：提供有关类或接口的属性的信息，以及对它的动态访问权限</a:t>
             </a:r>
-            <a:endParaRPr lang="en-US" altLang="zh-CN" smtClean="0"/>
-          </a:p>
-          <a:p>
-            <a:r>
-              <a:rPr lang="en-US" altLang="zh-CN" smtClean="0"/>
+            <a:endParaRPr lang="en-US" altLang="zh-CN" dirty="0"/>
+          </a:p>
+          <a:p>
+            <a:pPr>
+              <a:lnSpc>
+                <a:spcPct val="150000"/>
+              </a:lnSpc>
+            </a:pPr>
+            <a:r>
+              <a:rPr lang="en-US" altLang="zh-CN" dirty="0"/>
               <a:t>Constructor</a:t>
             </a:r>
             <a:r>
-              <a:rPr lang="zh-CN" altLang="en-US" smtClean="0"/>
+              <a:rPr lang="zh-CN" altLang="en-US" dirty="0"/>
               <a:t>：提供关于类的单个构造方法的信息以及对它的访问权限</a:t>
             </a:r>
-            <a:endParaRPr lang="en-US" altLang="zh-CN" smtClean="0"/>
-          </a:p>
-          <a:p>
-            <a:r>
-              <a:rPr lang="en-US" altLang="zh-CN" smtClean="0"/>
+            <a:endParaRPr lang="en-US" altLang="zh-CN" dirty="0"/>
+          </a:p>
+          <a:p>
+            <a:pPr>
+              <a:lnSpc>
+                <a:spcPct val="150000"/>
+              </a:lnSpc>
+            </a:pPr>
+            <a:r>
+              <a:rPr lang="en-US" altLang="zh-CN" dirty="0"/>
               <a:t>Method</a:t>
             </a:r>
             <a:r>
-              <a:rPr lang="zh-CN" altLang="en-US" smtClean="0"/>
+              <a:rPr lang="zh-CN" altLang="en-US" dirty="0"/>
               <a:t>：提供关于类或接口上单独某个方法的信息</a:t>
             </a:r>
-            <a:endParaRPr lang="en-US" altLang="zh-CN" smtClean="0"/>
+            <a:endParaRPr lang="en-US" altLang="zh-CN" dirty="0"/>
           </a:p>
         </p:txBody>
       </p:sp>
@@ -10392,13 +10366,6 @@
   <p:clrMapOvr>
     <a:masterClrMapping/>
   </p:clrMapOvr>
-  <p:timing>
-    <p:tnLst>
-      <p:par>
-        <p:cTn id="1" dur="indefinite" restart="never" nodeType="tmRoot"/>
-      </p:par>
-    </p:tnLst>
-  </p:timing>
 </p:sld>
 </file>
 
@@ -10435,11 +10402,11 @@
           <a:lstStyle/>
           <a:p>
             <a:r>
-              <a:rPr lang="en-US" altLang="zh-CN" smtClean="0"/>
+              <a:rPr lang="en-US" altLang="zh-CN"/>
               <a:t>Class</a:t>
             </a:r>
             <a:r>
-              <a:rPr lang="zh-CN" altLang="en-US" smtClean="0"/>
+              <a:rPr lang="zh-CN" altLang="en-US"/>
               <a:t>类</a:t>
             </a:r>
           </a:p>
@@ -10460,135 +10427,161 @@
           <a:bodyPr/>
           <a:lstStyle/>
           <a:p>
-            <a:r>
-              <a:rPr lang="en-US" altLang="zh-CN" dirty="0" smtClean="0"/>
+            <a:pPr>
+              <a:lnSpc>
+                <a:spcPct val="150000"/>
+              </a:lnSpc>
+            </a:pPr>
+            <a:r>
+              <a:rPr lang="en-US" altLang="zh-CN" dirty="0"/>
               <a:t>Class </a:t>
             </a:r>
             <a:r>
-              <a:rPr lang="zh-CN" altLang="en-US" dirty="0" smtClean="0"/>
+              <a:rPr lang="zh-CN" altLang="en-US" dirty="0"/>
               <a:t>类十分特殊，其实例用以表达</a:t>
             </a:r>
             <a:r>
-              <a:rPr lang="en-US" altLang="zh-CN" dirty="0" smtClean="0"/>
+              <a:rPr lang="en-US" altLang="zh-CN" dirty="0"/>
               <a:t>Java</a:t>
             </a:r>
             <a:r>
-              <a:rPr lang="zh-CN" altLang="en-US" dirty="0" smtClean="0"/>
+              <a:rPr lang="zh-CN" altLang="en-US" dirty="0"/>
               <a:t>程序运行时的类和接口</a:t>
             </a:r>
-            <a:endParaRPr lang="en-US" altLang="zh-CN" dirty="0" smtClean="0"/>
-          </a:p>
-          <a:p>
-            <a:r>
-              <a:rPr lang="zh-CN" altLang="en-US" dirty="0" smtClean="0"/>
+            <a:endParaRPr lang="en-US" altLang="zh-CN" dirty="0"/>
+          </a:p>
+          <a:p>
+            <a:pPr>
+              <a:lnSpc>
+                <a:spcPct val="150000"/>
+              </a:lnSpc>
+            </a:pPr>
+            <a:r>
+              <a:rPr lang="zh-CN" altLang="en-US" dirty="0"/>
               <a:t>获取</a:t>
             </a:r>
             <a:r>
-              <a:rPr lang="en-US" altLang="zh-CN" dirty="0" smtClean="0"/>
+              <a:rPr lang="en-US" altLang="zh-CN" dirty="0"/>
               <a:t>Class</a:t>
             </a:r>
             <a:r>
-              <a:rPr lang="zh-CN" altLang="en-US" dirty="0" smtClean="0"/>
+              <a:rPr lang="zh-CN" altLang="en-US" dirty="0"/>
               <a:t>对象</a:t>
             </a:r>
-            <a:endParaRPr lang="en-US" altLang="zh-CN" dirty="0" smtClean="0"/>
-          </a:p>
-          <a:p>
-            <a:pPr lvl="1"/>
-            <a:r>
-              <a:rPr lang="zh-CN" altLang="en-US" dirty="0" smtClean="0"/>
+            <a:endParaRPr lang="en-US" altLang="zh-CN" dirty="0"/>
+          </a:p>
+          <a:p>
+            <a:pPr lvl="1">
+              <a:lnSpc>
+                <a:spcPct val="150000"/>
+              </a:lnSpc>
+            </a:pPr>
+            <a:r>
+              <a:rPr lang="zh-CN" altLang="en-US" dirty="0"/>
               <a:t>通过</a:t>
             </a:r>
             <a:r>
-              <a:rPr lang="en-US" altLang="zh-CN" dirty="0" smtClean="0"/>
+              <a:rPr lang="en-US" altLang="zh-CN" dirty="0"/>
               <a:t>Object</a:t>
             </a:r>
             <a:r>
-              <a:rPr lang="zh-CN" altLang="en-US" dirty="0" smtClean="0"/>
+              <a:rPr lang="zh-CN" altLang="en-US" dirty="0"/>
               <a:t>的</a:t>
             </a:r>
             <a:r>
-              <a:rPr lang="en-US" altLang="zh-CN" dirty="0" err="1" smtClean="0"/>
+              <a:rPr lang="en-US" altLang="zh-CN" dirty="0" err="1"/>
               <a:t>getClass</a:t>
             </a:r>
             <a:r>
-              <a:rPr lang="en-US" altLang="zh-CN" dirty="0" smtClean="0"/>
+              <a:rPr lang="en-US" altLang="zh-CN" dirty="0"/>
               <a:t>()</a:t>
             </a:r>
             <a:r>
-              <a:rPr lang="zh-CN" altLang="en-US" dirty="0" smtClean="0"/>
+              <a:rPr lang="zh-CN" altLang="en-US" dirty="0"/>
               <a:t>方法</a:t>
             </a:r>
-            <a:endParaRPr lang="en-US" altLang="zh-CN" dirty="0" smtClean="0"/>
-          </a:p>
-          <a:p>
-            <a:pPr lvl="1"/>
-            <a:r>
-              <a:rPr lang="zh-CN" altLang="en-US" dirty="0" smtClean="0"/>
+            <a:endParaRPr lang="en-US" altLang="zh-CN" dirty="0"/>
+          </a:p>
+          <a:p>
+            <a:pPr lvl="1">
+              <a:lnSpc>
+                <a:spcPct val="150000"/>
+              </a:lnSpc>
+            </a:pPr>
+            <a:r>
+              <a:rPr lang="zh-CN" altLang="en-US" dirty="0"/>
               <a:t>通过</a:t>
             </a:r>
             <a:r>
-              <a:rPr lang="en-US" altLang="zh-CN" dirty="0" smtClean="0"/>
+              <a:rPr lang="en-US" altLang="zh-CN" dirty="0"/>
               <a:t>Class</a:t>
             </a:r>
             <a:r>
-              <a:rPr lang="zh-CN" altLang="en-US" dirty="0" smtClean="0"/>
+              <a:rPr lang="zh-CN" altLang="en-US" dirty="0"/>
               <a:t>的</a:t>
             </a:r>
             <a:r>
-              <a:rPr lang="en-US" altLang="zh-CN" dirty="0" err="1" smtClean="0"/>
+              <a:rPr lang="en-US" altLang="zh-CN" dirty="0" err="1"/>
               <a:t>getSuperClass</a:t>
             </a:r>
             <a:r>
-              <a:rPr lang="en-US" altLang="zh-CN" dirty="0" smtClean="0"/>
+              <a:rPr lang="en-US" altLang="zh-CN" dirty="0"/>
               <a:t>()</a:t>
             </a:r>
             <a:r>
-              <a:rPr lang="zh-CN" altLang="en-US" dirty="0" smtClean="0"/>
+              <a:rPr lang="zh-CN" altLang="en-US" dirty="0"/>
               <a:t>方法</a:t>
             </a:r>
-            <a:endParaRPr lang="en-US" altLang="zh-CN" dirty="0" smtClean="0"/>
-          </a:p>
-          <a:p>
-            <a:pPr lvl="1"/>
-            <a:r>
-              <a:rPr lang="zh-CN" altLang="en-US" dirty="0" smtClean="0"/>
+            <a:endParaRPr lang="en-US" altLang="zh-CN" dirty="0"/>
+          </a:p>
+          <a:p>
+            <a:pPr lvl="1">
+              <a:lnSpc>
+                <a:spcPct val="150000"/>
+              </a:lnSpc>
+            </a:pPr>
+            <a:r>
+              <a:rPr lang="zh-CN" altLang="en-US" dirty="0"/>
               <a:t>通过</a:t>
             </a:r>
             <a:r>
-              <a:rPr lang="en-US" altLang="zh-CN" dirty="0" smtClean="0"/>
+              <a:rPr lang="en-US" altLang="zh-CN" dirty="0"/>
               <a:t>Class</a:t>
             </a:r>
             <a:r>
-              <a:rPr lang="zh-CN" altLang="en-US" dirty="0" smtClean="0"/>
+              <a:rPr lang="zh-CN" altLang="en-US" dirty="0"/>
               <a:t>的静态</a:t>
             </a:r>
             <a:r>
-              <a:rPr lang="en-US" altLang="zh-CN" dirty="0" err="1" smtClean="0"/>
+              <a:rPr lang="en-US" altLang="zh-CN" dirty="0" err="1"/>
               <a:t>forName</a:t>
             </a:r>
             <a:r>
-              <a:rPr lang="en-US" altLang="zh-CN" dirty="0" smtClean="0"/>
+              <a:rPr lang="en-US" altLang="zh-CN" dirty="0"/>
               <a:t>()</a:t>
             </a:r>
             <a:r>
-              <a:rPr lang="zh-CN" altLang="en-US" dirty="0" smtClean="0"/>
+              <a:rPr lang="zh-CN" altLang="en-US" dirty="0"/>
               <a:t>方法</a:t>
             </a:r>
-            <a:endParaRPr lang="en-US" altLang="zh-CN" dirty="0" smtClean="0"/>
-          </a:p>
-          <a:p>
-            <a:pPr lvl="1"/>
-            <a:r>
-              <a:rPr lang="zh-CN" altLang="en-US" dirty="0" smtClean="0"/>
+            <a:endParaRPr lang="en-US" altLang="zh-CN" dirty="0"/>
+          </a:p>
+          <a:p>
+            <a:pPr lvl="1">
+              <a:lnSpc>
+                <a:spcPct val="150000"/>
+              </a:lnSpc>
+            </a:pPr>
+            <a:r>
+              <a:rPr lang="zh-CN" altLang="en-US" dirty="0"/>
               <a:t>对于包装器类型，通过类名</a:t>
             </a:r>
             <a:r>
-              <a:rPr lang="en-US" altLang="zh-CN" dirty="0" smtClean="0"/>
+              <a:rPr lang="en-US" altLang="zh-CN" dirty="0"/>
               <a:t>.TYPE</a:t>
             </a:r>
             <a:r>
-              <a:rPr lang="zh-CN" altLang="en-US" dirty="0" smtClean="0"/>
+              <a:rPr lang="zh-CN" altLang="en-US" dirty="0"/>
               <a:t>属性</a:t>
             </a:r>
           </a:p>
@@ -10604,13 +10597,6 @@
   <p:clrMapOvr>
     <a:masterClrMapping/>
   </p:clrMapOvr>
-  <p:timing>
-    <p:tnLst>
-      <p:par>
-        <p:cTn id="1" dur="indefinite" restart="never" nodeType="tmRoot"/>
-      </p:par>
-    </p:tnLst>
-  </p:timing>
 </p:sld>
 </file>
 
@@ -10647,10 +10633,10 @@
           <a:lstStyle/>
           <a:p>
             <a:r>
-              <a:rPr lang="en-US" altLang="zh-CN" smtClean="0"/>
+              <a:rPr lang="en-US" altLang="zh-CN"/>
               <a:t>Class API</a:t>
             </a:r>
-            <a:endParaRPr lang="zh-CN" altLang="en-US" smtClean="0"/>
+            <a:endParaRPr lang="zh-CN" altLang="en-US"/>
           </a:p>
         </p:txBody>
       </p:sp>
@@ -10678,8 +10664,8 @@
         </p:blipFill>
         <p:spPr>
           <a:xfrm>
-            <a:off x="1051648" y="1160463"/>
-            <a:ext cx="7040704" cy="4965700"/>
+            <a:off x="1271464" y="1044997"/>
+            <a:ext cx="7606690" cy="5364881"/>
           </a:xfrm>
         </p:spPr>
       </p:pic>
@@ -10693,13 +10679,6 @@
   <p:clrMapOvr>
     <a:masterClrMapping/>
   </p:clrMapOvr>
-  <p:timing>
-    <p:tnLst>
-      <p:par>
-        <p:cTn id="1" dur="indefinite" restart="never" nodeType="tmRoot"/>
-      </p:par>
-    </p:tnLst>
-  </p:timing>
 </p:sld>
 </file>
 

--- a/ch18/第18章 反射.pptx
+++ b/ch18/第18章 反射.pptx
@@ -1311,6 +1311,13 @@
         </dgm:presLayoutVars>
       </dgm:prSet>
       <dgm:spPr/>
+      <dgm:t>
+        <a:bodyPr/>
+        <a:lstStyle/>
+        <a:p>
+          <a:endParaRPr lang="zh-CN" altLang="en-US"/>
+        </a:p>
+      </dgm:t>
     </dgm:pt>
     <dgm:pt modelId="{B2BC0EAF-16E1-4D8D-BB7B-46C185B32599}" type="pres">
       <dgm:prSet presAssocID="{05EB4BFD-17E2-400A-8A87-1D36FA89479A}" presName="composite" presStyleCnt="0"/>
@@ -1324,6 +1331,13 @@
         </dgm:presLayoutVars>
       </dgm:prSet>
       <dgm:spPr/>
+      <dgm:t>
+        <a:bodyPr/>
+        <a:lstStyle/>
+        <a:p>
+          <a:endParaRPr lang="zh-CN" altLang="en-US"/>
+        </a:p>
+      </dgm:t>
     </dgm:pt>
     <dgm:pt modelId="{77E3FE13-E1C6-4447-93C2-8E013107D1A2}" type="pres">
       <dgm:prSet presAssocID="{05EB4BFD-17E2-400A-8A87-1D36FA89479A}" presName="descendantText" presStyleLbl="alignAcc1" presStyleIdx="0" presStyleCnt="5">
@@ -1332,6 +1346,13 @@
         </dgm:presLayoutVars>
       </dgm:prSet>
       <dgm:spPr/>
+      <dgm:t>
+        <a:bodyPr/>
+        <a:lstStyle/>
+        <a:p>
+          <a:endParaRPr lang="zh-CN" altLang="en-US"/>
+        </a:p>
+      </dgm:t>
     </dgm:pt>
     <dgm:pt modelId="{0303FE9F-580A-42F1-9162-E366B68CC28E}" type="pres">
       <dgm:prSet presAssocID="{E7D57148-A4B1-4224-947C-5213000E8C63}" presName="sp" presStyleCnt="0"/>
@@ -1349,6 +1370,13 @@
         </dgm:presLayoutVars>
       </dgm:prSet>
       <dgm:spPr/>
+      <dgm:t>
+        <a:bodyPr/>
+        <a:lstStyle/>
+        <a:p>
+          <a:endParaRPr lang="zh-CN" altLang="en-US"/>
+        </a:p>
+      </dgm:t>
     </dgm:pt>
     <dgm:pt modelId="{DAB07496-FB0E-4BA2-B567-EDCD5B57EC71}" type="pres">
       <dgm:prSet presAssocID="{874F378D-89E7-4B32-AD55-89E21F239B47}" presName="descendantText" presStyleLbl="alignAcc1" presStyleIdx="1" presStyleCnt="5">
@@ -1357,6 +1385,13 @@
         </dgm:presLayoutVars>
       </dgm:prSet>
       <dgm:spPr/>
+      <dgm:t>
+        <a:bodyPr/>
+        <a:lstStyle/>
+        <a:p>
+          <a:endParaRPr lang="zh-CN" altLang="en-US"/>
+        </a:p>
+      </dgm:t>
     </dgm:pt>
     <dgm:pt modelId="{9378278D-D81F-4CE7-9577-C0A5775D27EC}" type="pres">
       <dgm:prSet presAssocID="{2842F104-ED9A-4D78-A9CA-FF7126347842}" presName="sp" presStyleCnt="0"/>
@@ -1374,6 +1409,13 @@
         </dgm:presLayoutVars>
       </dgm:prSet>
       <dgm:spPr/>
+      <dgm:t>
+        <a:bodyPr/>
+        <a:lstStyle/>
+        <a:p>
+          <a:endParaRPr lang="zh-CN" altLang="en-US"/>
+        </a:p>
+      </dgm:t>
     </dgm:pt>
     <dgm:pt modelId="{E3E9F569-A585-43C3-AB24-8080C2FFB1BD}" type="pres">
       <dgm:prSet presAssocID="{BE594A20-DAB8-4329-A148-5BB32B9EB45F}" presName="descendantText" presStyleLbl="alignAcc1" presStyleIdx="2" presStyleCnt="5">
@@ -1382,6 +1424,13 @@
         </dgm:presLayoutVars>
       </dgm:prSet>
       <dgm:spPr/>
+      <dgm:t>
+        <a:bodyPr/>
+        <a:lstStyle/>
+        <a:p>
+          <a:endParaRPr lang="zh-CN" altLang="en-US"/>
+        </a:p>
+      </dgm:t>
     </dgm:pt>
     <dgm:pt modelId="{0D9CAD9F-828F-4B60-A345-1DD4B2326FF6}" type="pres">
       <dgm:prSet presAssocID="{83FFE292-C822-4951-BFBF-A6DC9ADF0AAE}" presName="sp" presStyleCnt="0"/>
@@ -1399,6 +1448,13 @@
         </dgm:presLayoutVars>
       </dgm:prSet>
       <dgm:spPr/>
+      <dgm:t>
+        <a:bodyPr/>
+        <a:lstStyle/>
+        <a:p>
+          <a:endParaRPr lang="zh-CN" altLang="en-US"/>
+        </a:p>
+      </dgm:t>
     </dgm:pt>
     <dgm:pt modelId="{1AE7137F-5C4B-41CD-B483-E51ABD1E1BB9}" type="pres">
       <dgm:prSet presAssocID="{4B098414-BD2A-4B4E-8470-F3CA63B6B456}" presName="descendantText" presStyleLbl="alignAcc1" presStyleIdx="3" presStyleCnt="5">
@@ -1407,6 +1463,13 @@
         </dgm:presLayoutVars>
       </dgm:prSet>
       <dgm:spPr/>
+      <dgm:t>
+        <a:bodyPr/>
+        <a:lstStyle/>
+        <a:p>
+          <a:endParaRPr lang="zh-CN" altLang="en-US"/>
+        </a:p>
+      </dgm:t>
     </dgm:pt>
     <dgm:pt modelId="{8EBA0D66-CFC6-4E06-AB5B-EB11C5A8450A}" type="pres">
       <dgm:prSet presAssocID="{D20FC5C4-14A9-4A8B-8CC4-73374C05D59E}" presName="sp" presStyleCnt="0"/>
@@ -1424,6 +1487,13 @@
         </dgm:presLayoutVars>
       </dgm:prSet>
       <dgm:spPr/>
+      <dgm:t>
+        <a:bodyPr/>
+        <a:lstStyle/>
+        <a:p>
+          <a:endParaRPr lang="zh-CN" altLang="en-US"/>
+        </a:p>
+      </dgm:t>
     </dgm:pt>
     <dgm:pt modelId="{CEDA1CAA-D93F-495C-9514-FA64096565ED}" type="pres">
       <dgm:prSet presAssocID="{ADD64B42-296B-467B-A718-F329D08D5457}" presName="descendantText" presStyleLbl="alignAcc1" presStyleIdx="4" presStyleCnt="5">
@@ -1432,30 +1502,37 @@
         </dgm:presLayoutVars>
       </dgm:prSet>
       <dgm:spPr/>
+      <dgm:t>
+        <a:bodyPr/>
+        <a:lstStyle/>
+        <a:p>
+          <a:endParaRPr lang="zh-CN" altLang="en-US"/>
+        </a:p>
+      </dgm:t>
     </dgm:pt>
   </dgm:ptLst>
   <dgm:cxnLst>
+    <dgm:cxn modelId="{6CF8758F-8048-4997-B6D2-14D8817FBA7F}" srcId="{4B098414-BD2A-4B4E-8470-F3CA63B6B456}" destId="{81AE2D70-B897-4EB1-AB85-E6F5DADEB1FE}" srcOrd="0" destOrd="0" parTransId="{1DFDFF43-3347-4C44-9D0D-F31AF726E5AD}" sibTransId="{0C7EC4A3-D0CE-47F7-9567-0AA15FE3C114}"/>
+    <dgm:cxn modelId="{BB0A751E-05A0-417C-92C5-83CA73E055F3}" srcId="{ADD64B42-296B-467B-A718-F329D08D5457}" destId="{53520868-B558-4CD2-8DF4-9B673F2319FF}" srcOrd="0" destOrd="0" parTransId="{EA45B3C8-0846-424B-A720-58F2B3C7C4EA}" sibTransId="{67A1F485-96A9-4A61-A385-4697956A49EF}"/>
+    <dgm:cxn modelId="{6841725D-2FA6-4D81-BDBE-43B720D7E024}" type="presOf" srcId="{05EB4BFD-17E2-400A-8A87-1D36FA89479A}" destId="{62D7FCD0-25F8-456B-BB75-5F10673D41F2}" srcOrd="0" destOrd="0" presId="urn:microsoft.com/office/officeart/2005/8/layout/chevron2"/>
+    <dgm:cxn modelId="{09796982-FC84-4FF0-BFC0-0794D4CA1B4D}" type="presOf" srcId="{58F0DE63-A9D9-41F6-B8AF-8FC1B3184FBE}" destId="{FAF0B115-EE54-4D0C-B58A-260372AF5541}" srcOrd="0" destOrd="0" presId="urn:microsoft.com/office/officeart/2005/8/layout/chevron2"/>
+    <dgm:cxn modelId="{B1D1BB80-7ADE-4A37-A35E-41949CFDEC81}" srcId="{BE594A20-DAB8-4329-A148-5BB32B9EB45F}" destId="{AAB4D6BF-DD2B-4CB2-B53B-A55D293B5527}" srcOrd="0" destOrd="0" parTransId="{DCE9C20F-F400-48BC-B7B4-CC69BCFC97EE}" sibTransId="{B5553C39-1A71-4AA7-AD35-E84A5101AB97}"/>
+    <dgm:cxn modelId="{B873CC20-EB59-4A71-BFC7-EC4C1E019E5B}" type="presOf" srcId="{8F41AAA4-F551-436C-B6DB-945F89815086}" destId="{DAB07496-FB0E-4BA2-B567-EDCD5B57EC71}" srcOrd="0" destOrd="0" presId="urn:microsoft.com/office/officeart/2005/8/layout/chevron2"/>
+    <dgm:cxn modelId="{1380122D-119C-4523-9F71-A53DF917AB6A}" srcId="{58F0DE63-A9D9-41F6-B8AF-8FC1B3184FBE}" destId="{ADD64B42-296B-467B-A718-F329D08D5457}" srcOrd="4" destOrd="0" parTransId="{7CE3EDB0-DC3C-4037-813B-5F2E571065D8}" sibTransId="{85E9C360-DA77-429B-9526-270F4E1B591F}"/>
     <dgm:cxn modelId="{E7A1DF04-1D31-4D75-924C-ACE78C273599}" type="presOf" srcId="{BE594A20-DAB8-4329-A148-5BB32B9EB45F}" destId="{D84DBAE6-97C3-4894-991E-8A8364DB4AA7}" srcOrd="0" destOrd="0" presId="urn:microsoft.com/office/officeart/2005/8/layout/chevron2"/>
+    <dgm:cxn modelId="{2DD77DE9-D629-4484-9781-5B9E5C67425C}" srcId="{58F0DE63-A9D9-41F6-B8AF-8FC1B3184FBE}" destId="{4B098414-BD2A-4B4E-8470-F3CA63B6B456}" srcOrd="3" destOrd="0" parTransId="{7D138A2E-FD09-44E5-BAA5-097354EC84C9}" sibTransId="{D20FC5C4-14A9-4A8B-8CC4-73374C05D59E}"/>
+    <dgm:cxn modelId="{11332B0C-1630-4A9F-A0AA-1C91E4FE628C}" srcId="{58F0DE63-A9D9-41F6-B8AF-8FC1B3184FBE}" destId="{874F378D-89E7-4B32-AD55-89E21F239B47}" srcOrd="1" destOrd="0" parTransId="{4E05623B-125F-483E-8A48-6B2AF6CC139E}" sibTransId="{2842F104-ED9A-4D78-A9CA-FF7126347842}"/>
+    <dgm:cxn modelId="{0E9CB17D-EF7F-4EA3-8484-84C60062B35D}" type="presOf" srcId="{AAB4D6BF-DD2B-4CB2-B53B-A55D293B5527}" destId="{E3E9F569-A585-43C3-AB24-8080C2FFB1BD}" srcOrd="0" destOrd="0" presId="urn:microsoft.com/office/officeart/2005/8/layout/chevron2"/>
+    <dgm:cxn modelId="{AF20979F-E462-4197-92F6-15B3E74D015F}" type="presOf" srcId="{81AE2D70-B897-4EB1-AB85-E6F5DADEB1FE}" destId="{1AE7137F-5C4B-41CD-B483-E51ABD1E1BB9}" srcOrd="0" destOrd="0" presId="urn:microsoft.com/office/officeart/2005/8/layout/chevron2"/>
+    <dgm:cxn modelId="{C4ECC526-5461-4AF1-BEDB-44DF71E77542}" type="presOf" srcId="{53520868-B558-4CD2-8DF4-9B673F2319FF}" destId="{CEDA1CAA-D93F-495C-9514-FA64096565ED}" srcOrd="0" destOrd="0" presId="urn:microsoft.com/office/officeart/2005/8/layout/chevron2"/>
+    <dgm:cxn modelId="{C119157D-1E1A-4FD2-B5C5-33D3185A0A67}" srcId="{58F0DE63-A9D9-41F6-B8AF-8FC1B3184FBE}" destId="{BE594A20-DAB8-4329-A148-5BB32B9EB45F}" srcOrd="2" destOrd="0" parTransId="{7D85DBEE-A515-47A3-9F4B-08E5746293DC}" sibTransId="{83FFE292-C822-4951-BFBF-A6DC9ADF0AAE}"/>
+    <dgm:cxn modelId="{1EA96261-5455-4288-B77C-BFBA07DE8F2D}" type="presOf" srcId="{874F378D-89E7-4B32-AD55-89E21F239B47}" destId="{0F36EDB2-2413-4AA8-8E85-DDEAFDBED0AC}" srcOrd="0" destOrd="0" presId="urn:microsoft.com/office/officeart/2005/8/layout/chevron2"/>
     <dgm:cxn modelId="{BEF2B105-45B4-443C-B11F-BCC711B44800}" type="presOf" srcId="{ADD64B42-296B-467B-A718-F329D08D5457}" destId="{056251F0-4432-41AA-99CB-2EA0D4D8A63A}" srcOrd="0" destOrd="0" presId="urn:microsoft.com/office/officeart/2005/8/layout/chevron2"/>
-    <dgm:cxn modelId="{11332B0C-1630-4A9F-A0AA-1C91E4FE628C}" srcId="{58F0DE63-A9D9-41F6-B8AF-8FC1B3184FBE}" destId="{874F378D-89E7-4B32-AD55-89E21F239B47}" srcOrd="1" destOrd="0" parTransId="{4E05623B-125F-483E-8A48-6B2AF6CC139E}" sibTransId="{2842F104-ED9A-4D78-A9CA-FF7126347842}"/>
-    <dgm:cxn modelId="{BB0A751E-05A0-417C-92C5-83CA73E055F3}" srcId="{ADD64B42-296B-467B-A718-F329D08D5457}" destId="{53520868-B558-4CD2-8DF4-9B673F2319FF}" srcOrd="0" destOrd="0" parTransId="{EA45B3C8-0846-424B-A720-58F2B3C7C4EA}" sibTransId="{67A1F485-96A9-4A61-A385-4697956A49EF}"/>
-    <dgm:cxn modelId="{B873CC20-EB59-4A71-BFC7-EC4C1E019E5B}" type="presOf" srcId="{8F41AAA4-F551-436C-B6DB-945F89815086}" destId="{DAB07496-FB0E-4BA2-B567-EDCD5B57EC71}" srcOrd="0" destOrd="0" presId="urn:microsoft.com/office/officeart/2005/8/layout/chevron2"/>
-    <dgm:cxn modelId="{C4ECC526-5461-4AF1-BEDB-44DF71E77542}" type="presOf" srcId="{53520868-B558-4CD2-8DF4-9B673F2319FF}" destId="{CEDA1CAA-D93F-495C-9514-FA64096565ED}" srcOrd="0" destOrd="0" presId="urn:microsoft.com/office/officeart/2005/8/layout/chevron2"/>
-    <dgm:cxn modelId="{1380122D-119C-4523-9F71-A53DF917AB6A}" srcId="{58F0DE63-A9D9-41F6-B8AF-8FC1B3184FBE}" destId="{ADD64B42-296B-467B-A718-F329D08D5457}" srcOrd="4" destOrd="0" parTransId="{7CE3EDB0-DC3C-4037-813B-5F2E571065D8}" sibTransId="{85E9C360-DA77-429B-9526-270F4E1B591F}"/>
+    <dgm:cxn modelId="{36CC6F76-B4EF-469D-9236-1DFB478054D4}" srcId="{58F0DE63-A9D9-41F6-B8AF-8FC1B3184FBE}" destId="{05EB4BFD-17E2-400A-8A87-1D36FA89479A}" srcOrd="0" destOrd="0" parTransId="{0428A25A-EDEE-4F8A-A831-79B05D60003C}" sibTransId="{E7D57148-A4B1-4224-947C-5213000E8C63}"/>
+    <dgm:cxn modelId="{902D469C-395D-4CF4-B1A5-D03BBB4087A7}" srcId="{05EB4BFD-17E2-400A-8A87-1D36FA89479A}" destId="{13F0ABF0-E910-4267-B4C5-1567ED91761A}" srcOrd="0" destOrd="0" parTransId="{95F01AAE-A793-4848-A911-730987EEDA60}" sibTransId="{AC9E69A2-3666-435A-8FAF-944D518B2704}"/>
+    <dgm:cxn modelId="{1536E13E-39D5-47CB-8661-984F480C3CD1}" srcId="{874F378D-89E7-4B32-AD55-89E21F239B47}" destId="{8F41AAA4-F551-436C-B6DB-945F89815086}" srcOrd="0" destOrd="0" parTransId="{54F8EEF1-5C08-4391-BC36-48F8B1C4E4A7}" sibTransId="{EC7B1047-E726-496D-A5A1-E42F6C4D4C11}"/>
     <dgm:cxn modelId="{FF567B2E-E064-4AB8-A429-094FFA1EF62A}" type="presOf" srcId="{13F0ABF0-E910-4267-B4C5-1567ED91761A}" destId="{77E3FE13-E1C6-4447-93C2-8E013107D1A2}" srcOrd="0" destOrd="0" presId="urn:microsoft.com/office/officeart/2005/8/layout/chevron2"/>
-    <dgm:cxn modelId="{1536E13E-39D5-47CB-8661-984F480C3CD1}" srcId="{874F378D-89E7-4B32-AD55-89E21F239B47}" destId="{8F41AAA4-F551-436C-B6DB-945F89815086}" srcOrd="0" destOrd="0" parTransId="{54F8EEF1-5C08-4391-BC36-48F8B1C4E4A7}" sibTransId="{EC7B1047-E726-496D-A5A1-E42F6C4D4C11}"/>
-    <dgm:cxn modelId="{6841725D-2FA6-4D81-BDBE-43B720D7E024}" type="presOf" srcId="{05EB4BFD-17E2-400A-8A87-1D36FA89479A}" destId="{62D7FCD0-25F8-456B-BB75-5F10673D41F2}" srcOrd="0" destOrd="0" presId="urn:microsoft.com/office/officeart/2005/8/layout/chevron2"/>
-    <dgm:cxn modelId="{1EA96261-5455-4288-B77C-BFBA07DE8F2D}" type="presOf" srcId="{874F378D-89E7-4B32-AD55-89E21F239B47}" destId="{0F36EDB2-2413-4AA8-8E85-DDEAFDBED0AC}" srcOrd="0" destOrd="0" presId="urn:microsoft.com/office/officeart/2005/8/layout/chevron2"/>
-    <dgm:cxn modelId="{36CC6F76-B4EF-469D-9236-1DFB478054D4}" srcId="{58F0DE63-A9D9-41F6-B8AF-8FC1B3184FBE}" destId="{05EB4BFD-17E2-400A-8A87-1D36FA89479A}" srcOrd="0" destOrd="0" parTransId="{0428A25A-EDEE-4F8A-A831-79B05D60003C}" sibTransId="{E7D57148-A4B1-4224-947C-5213000E8C63}"/>
-    <dgm:cxn modelId="{C119157D-1E1A-4FD2-B5C5-33D3185A0A67}" srcId="{58F0DE63-A9D9-41F6-B8AF-8FC1B3184FBE}" destId="{BE594A20-DAB8-4329-A148-5BB32B9EB45F}" srcOrd="2" destOrd="0" parTransId="{7D85DBEE-A515-47A3-9F4B-08E5746293DC}" sibTransId="{83FFE292-C822-4951-BFBF-A6DC9ADF0AAE}"/>
-    <dgm:cxn modelId="{0E9CB17D-EF7F-4EA3-8484-84C60062B35D}" type="presOf" srcId="{AAB4D6BF-DD2B-4CB2-B53B-A55D293B5527}" destId="{E3E9F569-A585-43C3-AB24-8080C2FFB1BD}" srcOrd="0" destOrd="0" presId="urn:microsoft.com/office/officeart/2005/8/layout/chevron2"/>
-    <dgm:cxn modelId="{B1D1BB80-7ADE-4A37-A35E-41949CFDEC81}" srcId="{BE594A20-DAB8-4329-A148-5BB32B9EB45F}" destId="{AAB4D6BF-DD2B-4CB2-B53B-A55D293B5527}" srcOrd="0" destOrd="0" parTransId="{DCE9C20F-F400-48BC-B7B4-CC69BCFC97EE}" sibTransId="{B5553C39-1A71-4AA7-AD35-E84A5101AB97}"/>
-    <dgm:cxn modelId="{09796982-FC84-4FF0-BFC0-0794D4CA1B4D}" type="presOf" srcId="{58F0DE63-A9D9-41F6-B8AF-8FC1B3184FBE}" destId="{FAF0B115-EE54-4D0C-B58A-260372AF5541}" srcOrd="0" destOrd="0" presId="urn:microsoft.com/office/officeart/2005/8/layout/chevron2"/>
-    <dgm:cxn modelId="{6CF8758F-8048-4997-B6D2-14D8817FBA7F}" srcId="{4B098414-BD2A-4B4E-8470-F3CA63B6B456}" destId="{81AE2D70-B897-4EB1-AB85-E6F5DADEB1FE}" srcOrd="0" destOrd="0" parTransId="{1DFDFF43-3347-4C44-9D0D-F31AF726E5AD}" sibTransId="{0C7EC4A3-D0CE-47F7-9567-0AA15FE3C114}"/>
-    <dgm:cxn modelId="{902D469C-395D-4CF4-B1A5-D03BBB4087A7}" srcId="{05EB4BFD-17E2-400A-8A87-1D36FA89479A}" destId="{13F0ABF0-E910-4267-B4C5-1567ED91761A}" srcOrd="0" destOrd="0" parTransId="{95F01AAE-A793-4848-A911-730987EEDA60}" sibTransId="{AC9E69A2-3666-435A-8FAF-944D518B2704}"/>
-    <dgm:cxn modelId="{AF20979F-E462-4197-92F6-15B3E74D015F}" type="presOf" srcId="{81AE2D70-B897-4EB1-AB85-E6F5DADEB1FE}" destId="{1AE7137F-5C4B-41CD-B483-E51ABD1E1BB9}" srcOrd="0" destOrd="0" presId="urn:microsoft.com/office/officeart/2005/8/layout/chevron2"/>
     <dgm:cxn modelId="{59351FA7-986C-4A11-AA33-85B786B3EA57}" type="presOf" srcId="{4B098414-BD2A-4B4E-8470-F3CA63B6B456}" destId="{BE6DDB74-485E-4C79-BE97-E77CE5F18352}" srcOrd="0" destOrd="0" presId="urn:microsoft.com/office/officeart/2005/8/layout/chevron2"/>
-    <dgm:cxn modelId="{2DD77DE9-D629-4484-9781-5B9E5C67425C}" srcId="{58F0DE63-A9D9-41F6-B8AF-8FC1B3184FBE}" destId="{4B098414-BD2A-4B4E-8470-F3CA63B6B456}" srcOrd="3" destOrd="0" parTransId="{7D138A2E-FD09-44E5-BAA5-097354EC84C9}" sibTransId="{D20FC5C4-14A9-4A8B-8CC4-73374C05D59E}"/>
     <dgm:cxn modelId="{9CC40763-9DF3-4BF8-86B6-0F584BA76386}" type="presParOf" srcId="{FAF0B115-EE54-4D0C-B58A-260372AF5541}" destId="{B2BC0EAF-16E1-4D8D-BB7B-46C185B32599}" srcOrd="0" destOrd="0" presId="urn:microsoft.com/office/officeart/2005/8/layout/chevron2"/>
     <dgm:cxn modelId="{743DD2C6-1945-4241-8B1D-F15E12CD2523}" type="presParOf" srcId="{B2BC0EAF-16E1-4D8D-BB7B-46C185B32599}" destId="{62D7FCD0-25F8-456B-BB75-5F10673D41F2}" srcOrd="0" destOrd="0" presId="urn:microsoft.com/office/officeart/2005/8/layout/chevron2"/>
     <dgm:cxn modelId="{57BD1BCF-5DA3-437A-88F5-D5FF8C33EC10}" type="presParOf" srcId="{B2BC0EAF-16E1-4D8D-BB7B-46C185B32599}" destId="{77E3FE13-E1C6-4447-93C2-8E013107D1A2}" srcOrd="1" destOrd="0" presId="urn:microsoft.com/office/officeart/2005/8/layout/chevron2"/>
@@ -1548,7 +1625,7 @@
         </a:bodyPr>
         <a:lstStyle/>
         <a:p>
-          <a:pPr marL="0" lvl="0" indent="0" algn="ctr" defTabSz="1066800">
+          <a:pPr lvl="0" algn="ctr" defTabSz="1066800">
             <a:lnSpc>
               <a:spcPct val="90000"/>
             </a:lnSpc>
@@ -1558,7 +1635,6 @@
             <a:spcAft>
               <a:spcPct val="35000"/>
             </a:spcAft>
-            <a:buNone/>
           </a:pPr>
           <a:r>
             <a:rPr lang="en-US" altLang="zh-CN" sz="2400" kern="1200" dirty="0"/>
@@ -1635,7 +1711,7 @@
             <a:spcAft>
               <a:spcPct val="15000"/>
             </a:spcAft>
-            <a:buChar char="•"/>
+            <a:buChar char="••"/>
           </a:pPr>
           <a:r>
             <a:rPr lang="zh-CN" altLang="en-US" sz="2400" kern="1200" dirty="0"/>
@@ -1702,7 +1778,7 @@
         </a:bodyPr>
         <a:lstStyle/>
         <a:p>
-          <a:pPr marL="0" lvl="0" indent="0" algn="ctr" defTabSz="1066800">
+          <a:pPr lvl="0" algn="ctr" defTabSz="1066800">
             <a:lnSpc>
               <a:spcPct val="90000"/>
             </a:lnSpc>
@@ -1712,7 +1788,6 @@
             <a:spcAft>
               <a:spcPct val="35000"/>
             </a:spcAft>
-            <a:buNone/>
           </a:pPr>
           <a:r>
             <a:rPr lang="en-US" altLang="zh-CN" sz="2400" kern="1200" dirty="0"/>
@@ -1789,7 +1864,7 @@
             <a:spcAft>
               <a:spcPct val="15000"/>
             </a:spcAft>
-            <a:buChar char="•"/>
+            <a:buChar char="••"/>
           </a:pPr>
           <a:r>
             <a:rPr lang="zh-CN" altLang="en-US" sz="2400" kern="1200" dirty="0"/>
@@ -1856,7 +1931,7 @@
         </a:bodyPr>
         <a:lstStyle/>
         <a:p>
-          <a:pPr marL="0" lvl="0" indent="0" algn="ctr" defTabSz="1066800">
+          <a:pPr lvl="0" algn="ctr" defTabSz="1066800">
             <a:lnSpc>
               <a:spcPct val="90000"/>
             </a:lnSpc>
@@ -1866,7 +1941,6 @@
             <a:spcAft>
               <a:spcPct val="35000"/>
             </a:spcAft>
-            <a:buNone/>
           </a:pPr>
           <a:r>
             <a:rPr lang="en-US" altLang="zh-CN" sz="2400" kern="1200" dirty="0"/>
@@ -1943,7 +2017,7 @@
             <a:spcAft>
               <a:spcPct val="15000"/>
             </a:spcAft>
-            <a:buChar char="•"/>
+            <a:buChar char="••"/>
           </a:pPr>
           <a:r>
             <a:rPr lang="zh-CN" altLang="en-US" sz="2400" kern="1200" dirty="0"/>
@@ -2010,7 +2084,7 @@
         </a:bodyPr>
         <a:lstStyle/>
         <a:p>
-          <a:pPr marL="0" lvl="0" indent="0" algn="ctr" defTabSz="1066800">
+          <a:pPr lvl="0" algn="ctr" defTabSz="1066800">
             <a:lnSpc>
               <a:spcPct val="90000"/>
             </a:lnSpc>
@@ -2020,7 +2094,6 @@
             <a:spcAft>
               <a:spcPct val="35000"/>
             </a:spcAft>
-            <a:buNone/>
           </a:pPr>
           <a:r>
             <a:rPr lang="en-US" altLang="zh-CN" sz="2400" kern="1200" dirty="0"/>
@@ -2097,7 +2170,7 @@
             <a:spcAft>
               <a:spcPct val="15000"/>
             </a:spcAft>
-            <a:buChar char="•"/>
+            <a:buChar char="••"/>
           </a:pPr>
           <a:r>
             <a:rPr lang="zh-CN" altLang="en-US" sz="2400" kern="1200" dirty="0"/>
@@ -2164,7 +2237,7 @@
         </a:bodyPr>
         <a:lstStyle/>
         <a:p>
-          <a:pPr marL="0" lvl="0" indent="0" algn="ctr" defTabSz="1066800">
+          <a:pPr lvl="0" algn="ctr" defTabSz="1066800">
             <a:lnSpc>
               <a:spcPct val="90000"/>
             </a:lnSpc>
@@ -2174,7 +2247,6 @@
             <a:spcAft>
               <a:spcPct val="35000"/>
             </a:spcAft>
-            <a:buNone/>
           </a:pPr>
           <a:r>
             <a:rPr lang="en-US" altLang="zh-CN" sz="2400" kern="1200" dirty="0"/>
@@ -2251,7 +2323,7 @@
             <a:spcAft>
               <a:spcPct val="15000"/>
             </a:spcAft>
-            <a:buChar char="•"/>
+            <a:buChar char="••"/>
           </a:pPr>
           <a:r>
             <a:rPr lang="zh-CN" altLang="en-US" sz="2400" kern="1200" dirty="0"/>
@@ -4913,6 +4985,96 @@
             <p:ph type="sldImg"/>
           </p:nvPr>
         </p:nvSpPr>
+        <p:spPr/>
+      </p:sp>
+      <p:sp>
+        <p:nvSpPr>
+          <p:cNvPr id="3" name="备注占位符 2"/>
+          <p:cNvSpPr>
+            <a:spLocks noGrp="1"/>
+          </p:cNvSpPr>
+          <p:nvPr>
+            <p:ph type="body" idx="1"/>
+          </p:nvPr>
+        </p:nvSpPr>
+        <p:spPr/>
+        <p:txBody>
+          <a:bodyPr/>
+          <a:lstStyle/>
+          <a:p>
+            <a:endParaRPr lang="zh-CN" altLang="en-US" dirty="0"/>
+          </a:p>
+        </p:txBody>
+      </p:sp>
+      <p:sp>
+        <p:nvSpPr>
+          <p:cNvPr id="4" name="灯片编号占位符 3"/>
+          <p:cNvSpPr>
+            <a:spLocks noGrp="1"/>
+          </p:cNvSpPr>
+          <p:nvPr>
+            <p:ph type="sldNum" sz="quarter" idx="10"/>
+          </p:nvPr>
+        </p:nvSpPr>
+        <p:spPr/>
+        <p:txBody>
+          <a:bodyPr/>
+          <a:lstStyle/>
+          <a:p>
+            <a:pPr>
+              <a:defRPr/>
+            </a:pPr>
+            <a:fld id="{A0721F3A-D631-43CB-AA2E-A2AC279AD1E4}" type="slidenum">
+              <a:rPr lang="pt-PT" altLang="zh-CN" smtClean="0"/>
+              <a:pPr>
+                <a:defRPr/>
+              </a:pPr>
+              <a:t>9</a:t>
+            </a:fld>
+            <a:endParaRPr lang="pt-PT" altLang="zh-CN"/>
+          </a:p>
+        </p:txBody>
+      </p:sp>
+    </p:spTree>
+    <p:extLst>
+      <p:ext uri="{BB962C8B-B14F-4D97-AF65-F5344CB8AC3E}">
+        <p14:creationId xmlns:p14="http://schemas.microsoft.com/office/powerpoint/2010/main" val="2185347771"/>
+      </p:ext>
+    </p:extLst>
+  </p:cSld>
+  <p:clrMapOvr>
+    <a:masterClrMapping/>
+  </p:clrMapOvr>
+</p:notes>
+</file>
+
+<file path=ppt/notesSlides/notesSlide4.xml><?xml version="1.0" encoding="utf-8"?>
+<p:notes xmlns:a="http://schemas.openxmlformats.org/drawingml/2006/main" xmlns:r="http://schemas.openxmlformats.org/officeDocument/2006/relationships" xmlns:p="http://schemas.openxmlformats.org/presentationml/2006/main">
+  <p:cSld>
+    <p:spTree>
+      <p:nvGrpSpPr>
+        <p:cNvPr id="1" name=""/>
+        <p:cNvGrpSpPr/>
+        <p:nvPr/>
+      </p:nvGrpSpPr>
+      <p:grpSpPr>
+        <a:xfrm>
+          <a:off x="0" y="0"/>
+          <a:ext cx="0" cy="0"/>
+          <a:chOff x="0" y="0"/>
+          <a:chExt cx="0" cy="0"/>
+        </a:xfrm>
+      </p:grpSpPr>
+      <p:sp>
+        <p:nvSpPr>
+          <p:cNvPr id="2" name="幻灯片图像占位符 1"/>
+          <p:cNvSpPr>
+            <a:spLocks noGrp="1" noRot="1" noChangeAspect="1"/>
+          </p:cNvSpPr>
+          <p:nvPr>
+            <p:ph type="sldImg"/>
+          </p:nvPr>
+        </p:nvSpPr>
         <p:spPr>
           <a:xfrm>
             <a:off x="92075" y="744538"/>
@@ -5574,7 +5736,7 @@
 </p:notes>
 </file>
 
-<file path=ppt/notesSlides/notesSlide4.xml><?xml version="1.0" encoding="utf-8"?>
+<file path=ppt/notesSlides/notesSlide5.xml><?xml version="1.0" encoding="utf-8"?>
 <p:notes xmlns:a="http://schemas.openxmlformats.org/drawingml/2006/main" xmlns:r="http://schemas.openxmlformats.org/officeDocument/2006/relationships" xmlns:p="http://schemas.openxmlformats.org/presentationml/2006/main">
   <p:cSld>
     <p:spTree>
@@ -8589,8 +8751,8 @@
         </p:nvSpPr>
         <p:spPr>
           <a:xfrm>
-            <a:off x="4079776" y="1160749"/>
-            <a:ext cx="4536504" cy="4965415"/>
+            <a:off x="609600" y="1160749"/>
+            <a:ext cx="8006680" cy="4965415"/>
           </a:xfrm>
         </p:spPr>
         <p:txBody>
@@ -8825,15 +8987,23 @@
                   <a:schemeClr val="tx1"/>
                 </a:solidFill>
               </a:rPr>
-              <a:t>这种动态获取信息以及动态调用对象的方法的功能称为</a:t>
-            </a:r>
-            <a:r>
-              <a:rPr lang="en-US" altLang="zh-CN" sz="2400" dirty="0">
+              <a:t>这种动态获取信息以及动态调用对象的方法的功能</a:t>
+            </a:r>
+            <a:r>
+              <a:rPr lang="zh-CN" altLang="en-US" sz="2400" dirty="0" smtClean="0">
                 <a:solidFill>
                   <a:schemeClr val="tx1"/>
                 </a:solidFill>
               </a:rPr>
-              <a:t>java</a:t>
+              <a:t>称为</a:t>
+            </a:r>
+            <a:r>
+              <a:rPr lang="en-US" altLang="zh-CN" sz="2400" dirty="0" smtClean="0">
+                <a:solidFill>
+                  <a:schemeClr val="tx1"/>
+                </a:solidFill>
+              </a:rPr>
+              <a:t>Java</a:t>
             </a:r>
             <a:r>
               <a:rPr lang="zh-CN" altLang="en-US" sz="2400" dirty="0">
@@ -10651,7 +10821,7 @@
           </p:nvPr>
         </p:nvPicPr>
         <p:blipFill>
-          <a:blip r:embed="rId2">
+          <a:blip r:embed="rId3">
             <a:extLst>
               <a:ext uri="{28A0092B-C50C-407E-A947-70E740481C1C}">
                 <a14:useLocalDpi xmlns:a14="http://schemas.microsoft.com/office/drawing/2010/main" val="0"/>
